--- a/eece3170/lectures/eece.3170_lec6_data_xfer.pptx
+++ b/eece3170/lectures/eece.3170_lec6_data_xfer.pptx
@@ -5,10 +5,10 @@
     <p:sldMasterId id="2147483792" r:id="rId1"/>
   </p:sldMasterIdLst>
   <p:notesMasterIdLst>
-    <p:notesMasterId r:id="rId20"/>
+    <p:notesMasterId r:id="rId21"/>
   </p:notesMasterIdLst>
   <p:handoutMasterIdLst>
-    <p:handoutMasterId r:id="rId21"/>
+    <p:handoutMasterId r:id="rId22"/>
   </p:handoutMasterIdLst>
   <p:sldIdLst>
     <p:sldId id="256" r:id="rId2"/>
@@ -27,8 +27,9 @@
     <p:sldId id="458" r:id="rId15"/>
     <p:sldId id="459" r:id="rId16"/>
     <p:sldId id="460" r:id="rId17"/>
-    <p:sldId id="461" r:id="rId18"/>
-    <p:sldId id="379" r:id="rId19"/>
+    <p:sldId id="465" r:id="rId18"/>
+    <p:sldId id="461" r:id="rId19"/>
+    <p:sldId id="379" r:id="rId20"/>
   </p:sldIdLst>
   <p:sldSz cx="9144000" cy="6858000" type="screen4x3"/>
   <p:notesSz cx="9144000" cy="6858000"/>
@@ -193,7 +194,7 @@
 <file path=ppt/revisionInfo.xml><?xml version="1.0" encoding="utf-8"?>
 <p1510:revInfo xmlns:a="http://schemas.openxmlformats.org/drawingml/2006/main" xmlns:r="http://schemas.openxmlformats.org/officeDocument/2006/relationships" xmlns:p1510="http://schemas.microsoft.com/office/powerpoint/2015/10/main">
   <p1510:revLst>
-    <p1510:client id="{B04C76E9-A519-474A-A88E-BD8C6111E9BD}" v="13" dt="2019-09-13T13:27:21.973"/>
+    <p1510:client id="{B04C76E9-A519-474A-A88E-BD8C6111E9BD}" v="14" dt="2019-09-18T15:38:50.088"/>
   </p1510:revLst>
 </p1510:revInfo>
 </file>
@@ -227,7 +228,7 @@
   <pc:docChgLst>
     <pc:chgData name="Geiger, Michael J" userId="13cae92b-b37c-450b-a449-82fcae19569d" providerId="ADAL" clId="{B04C76E9-A519-474A-A88E-BD8C6111E9BD}"/>
     <pc:docChg chg="addSld delSld modSld">
-      <pc:chgData name="Geiger, Michael J" userId="13cae92b-b37c-450b-a449-82fcae19569d" providerId="ADAL" clId="{B04C76E9-A519-474A-A88E-BD8C6111E9BD}" dt="2019-09-13T13:27:13.202" v="83"/>
+      <pc:chgData name="Geiger, Michael J" userId="13cae92b-b37c-450b-a449-82fcae19569d" providerId="ADAL" clId="{B04C76E9-A519-474A-A88E-BD8C6111E9BD}" dt="2019-09-18T15:39:03.218" v="94" actId="20577"/>
       <pc:docMkLst>
         <pc:docMk/>
       </pc:docMkLst>
@@ -361,6 +362,21 @@
           <pc:sldMk cId="2772110815" sldId="464"/>
         </pc:sldMkLst>
       </pc:sldChg>
+      <pc:sldChg chg="modSp add">
+        <pc:chgData name="Geiger, Michael J" userId="13cae92b-b37c-450b-a449-82fcae19569d" providerId="ADAL" clId="{B04C76E9-A519-474A-A88E-BD8C6111E9BD}" dt="2019-09-18T15:39:03.218" v="94" actId="20577"/>
+        <pc:sldMkLst>
+          <pc:docMk/>
+          <pc:sldMk cId="2059106950" sldId="465"/>
+        </pc:sldMkLst>
+        <pc:spChg chg="mod">
+          <ac:chgData name="Geiger, Michael J" userId="13cae92b-b37c-450b-a449-82fcae19569d" providerId="ADAL" clId="{B04C76E9-A519-474A-A88E-BD8C6111E9BD}" dt="2019-09-18T15:39:03.218" v="94" actId="20577"/>
+          <ac:spMkLst>
+            <pc:docMk/>
+            <pc:sldMk cId="2059106950" sldId="465"/>
+            <ac:spMk id="10" creationId="{00000000-0000-0000-0000-000000000000}"/>
+          </ac:spMkLst>
+        </pc:spChg>
+      </pc:sldChg>
     </pc:docChg>
   </pc:docChgLst>
 </pc:chgInfo>
@@ -755,14 +771,14 @@
           </a:ln>
           <a:extLst>
             <a:ext uri="{909E8E84-426E-40dd-AFC4-6F175D3DCCD1}">
-              <a14:hiddenFill xmlns="" xmlns:a14="http://schemas.microsoft.com/office/drawing/2010/main">
+              <a14:hiddenFill xmlns:a14="http://schemas.microsoft.com/office/drawing/2010/main" xmlns="">
                 <a:solidFill>
                   <a:srgbClr val="FFFFFF"/>
                 </a:solidFill>
               </a14:hiddenFill>
             </a:ext>
             <a:ext uri="{FAA26D3D-D897-4be2-8F04-BA451C77F1D7}">
-              <ma14:placeholderFlag xmlns="" xmlns:ma14="http://schemas.microsoft.com/office/mac/drawingml/2011/main" val="1"/>
+              <ma14:placeholderFlag xmlns:ma14="http://schemas.microsoft.com/office/mac/drawingml/2011/main" xmlns="" val="1"/>
             </a:ext>
           </a:extLst>
         </p:spPr>
@@ -1102,14 +1118,14 @@
           <a:ln/>
           <a:extLst>
             <a:ext uri="{909E8E84-426E-40dd-AFC4-6F175D3DCCD1}">
-              <a14:hiddenFill xmlns="" xmlns:a14="http://schemas.microsoft.com/office/drawing/2010/main">
+              <a14:hiddenFill xmlns:a14="http://schemas.microsoft.com/office/drawing/2010/main" xmlns="">
                 <a:solidFill>
                   <a:srgbClr val="FFFFFF"/>
                 </a:solidFill>
               </a14:hiddenFill>
             </a:ext>
             <a:ext uri="{91240B29-F687-4f45-9708-019B960494DF}">
-              <a14:hiddenLine xmlns="" xmlns:a14="http://schemas.microsoft.com/office/drawing/2010/main" w="9525">
+              <a14:hiddenLine xmlns:a14="http://schemas.microsoft.com/office/drawing/2010/main" xmlns="" w="9525">
                 <a:solidFill>
                   <a:srgbClr val="000000"/>
                 </a:solidFill>
@@ -1277,14 +1293,14 @@
           <a:ln/>
           <a:extLst>
             <a:ext uri="{909E8E84-426E-40dd-AFC4-6F175D3DCCD1}">
-              <a14:hiddenFill xmlns="" xmlns:a14="http://schemas.microsoft.com/office/drawing/2010/main">
+              <a14:hiddenFill xmlns:a14="http://schemas.microsoft.com/office/drawing/2010/main" xmlns="">
                 <a:solidFill>
                   <a:srgbClr val="FFFFFF"/>
                 </a:solidFill>
               </a14:hiddenFill>
             </a:ext>
             <a:ext uri="{91240B29-F687-4f45-9708-019B960494DF}">
-              <a14:hiddenLine xmlns="" xmlns:a14="http://schemas.microsoft.com/office/drawing/2010/main" w="9525">
+              <a14:hiddenLine xmlns:a14="http://schemas.microsoft.com/office/drawing/2010/main" xmlns="" w="9525">
                 <a:solidFill>
                   <a:srgbClr val="000000"/>
                 </a:solidFill>
@@ -1294,7 +1310,7 @@
               </a14:hiddenLine>
             </a:ext>
             <a:ext uri="{FAA26D3D-D897-4be2-8F04-BA451C77F1D7}">
-              <ma14:placeholderFlag xmlns="" xmlns:ma14="http://schemas.microsoft.com/office/mac/drawingml/2011/main" val="1"/>
+              <ma14:placeholderFlag xmlns:ma14="http://schemas.microsoft.com/office/mac/drawingml/2011/main" xmlns="" val="1"/>
             </a:ext>
           </a:extLst>
         </p:spPr>
@@ -1347,14 +1363,14 @@
           <a:ln/>
           <a:extLst>
             <a:ext uri="{909E8E84-426E-40dd-AFC4-6F175D3DCCD1}">
-              <a14:hiddenFill xmlns="" xmlns:a14="http://schemas.microsoft.com/office/drawing/2010/main">
+              <a14:hiddenFill xmlns:a14="http://schemas.microsoft.com/office/drawing/2010/main" xmlns="">
                 <a:solidFill>
                   <a:srgbClr val="FFFFFF"/>
                 </a:solidFill>
               </a14:hiddenFill>
             </a:ext>
             <a:ext uri="{91240B29-F687-4f45-9708-019B960494DF}">
-              <a14:hiddenLine xmlns="" xmlns:a14="http://schemas.microsoft.com/office/drawing/2010/main" w="9525">
+              <a14:hiddenLine xmlns:a14="http://schemas.microsoft.com/office/drawing/2010/main" xmlns="" w="9525">
                 <a:solidFill>
                   <a:srgbClr val="000000"/>
                 </a:solidFill>
@@ -1487,7 +1503,7 @@
             <a:fld id="{D4056121-04F8-BF4E-8AC2-18F650BC8FCA}" type="datetime1">
               <a:rPr lang="en-US"/>
               <a:pPr/>
-              <a:t>9/13/2019</a:t>
+              <a:t>9/18/2019</a:t>
             </a:fld>
             <a:endParaRPr lang="en-US"/>
           </a:p>
@@ -1508,14 +1524,14 @@
           <a:ln/>
           <a:extLst>
             <a:ext uri="{909E8E84-426E-40dd-AFC4-6F175D3DCCD1}">
-              <a14:hiddenFill xmlns="" xmlns:a14="http://schemas.microsoft.com/office/drawing/2010/main">
+              <a14:hiddenFill xmlns:a14="http://schemas.microsoft.com/office/drawing/2010/main" xmlns="">
                 <a:solidFill>
                   <a:srgbClr val="FFFFFF"/>
                 </a:solidFill>
               </a14:hiddenFill>
             </a:ext>
             <a:ext uri="{91240B29-F687-4f45-9708-019B960494DF}">
-              <a14:hiddenLine xmlns="" xmlns:a14="http://schemas.microsoft.com/office/drawing/2010/main" w="9525">
+              <a14:hiddenLine xmlns:a14="http://schemas.microsoft.com/office/drawing/2010/main" xmlns="" w="9525">
                 <a:solidFill>
                   <a:srgbClr val="000000"/>
                 </a:solidFill>
@@ -1667,14 +1683,14 @@
           <a:ln/>
           <a:extLst>
             <a:ext uri="{909E8E84-426E-40dd-AFC4-6F175D3DCCD1}">
-              <a14:hiddenFill xmlns="" xmlns:a14="http://schemas.microsoft.com/office/drawing/2010/main">
+              <a14:hiddenFill xmlns:a14="http://schemas.microsoft.com/office/drawing/2010/main" xmlns="">
                 <a:solidFill>
                   <a:srgbClr val="FFFFFF"/>
                 </a:solidFill>
               </a14:hiddenFill>
             </a:ext>
             <a:ext uri="{91240B29-F687-4f45-9708-019B960494DF}">
-              <a14:hiddenLine xmlns="" xmlns:a14="http://schemas.microsoft.com/office/drawing/2010/main" w="9525">
+              <a14:hiddenLine xmlns:a14="http://schemas.microsoft.com/office/drawing/2010/main" xmlns="" w="9525">
                 <a:solidFill>
                   <a:srgbClr val="000000"/>
                 </a:solidFill>
@@ -1859,7 +1875,7 @@
           </a:ln>
           <a:extLst>
             <a:ext uri="{FAA26D3D-D897-4be2-8F04-BA451C77F1D7}">
-              <ma14:placeholderFlag xmlns="" xmlns:ma14="http://schemas.microsoft.com/office/mac/drawingml/2011/main" val="1"/>
+              <ma14:placeholderFlag xmlns:ma14="http://schemas.microsoft.com/office/mac/drawingml/2011/main" xmlns="" val="1"/>
             </a:ext>
           </a:extLst>
         </p:spPr>
@@ -1911,14 +1927,14 @@
           <a:ln/>
           <a:extLst>
             <a:ext uri="{909E8E84-426E-40dd-AFC4-6F175D3DCCD1}">
-              <a14:hiddenFill xmlns="" xmlns:a14="http://schemas.microsoft.com/office/drawing/2010/main">
+              <a14:hiddenFill xmlns:a14="http://schemas.microsoft.com/office/drawing/2010/main" xmlns="">
                 <a:solidFill>
                   <a:srgbClr val="FFFFFF"/>
                 </a:solidFill>
               </a14:hiddenFill>
             </a:ext>
             <a:ext uri="{91240B29-F687-4f45-9708-019B960494DF}">
-              <a14:hiddenLine xmlns="" xmlns:a14="http://schemas.microsoft.com/office/drawing/2010/main" w="9525">
+              <a14:hiddenLine xmlns:a14="http://schemas.microsoft.com/office/drawing/2010/main" xmlns="" w="9525">
                 <a:solidFill>
                   <a:srgbClr val="000000"/>
                 </a:solidFill>
@@ -2051,7 +2067,7 @@
             <a:fld id="{0497D933-93CD-4643-B01C-0C8158723276}" type="datetime1">
               <a:rPr lang="en-US"/>
               <a:pPr/>
-              <a:t>9/13/2019</a:t>
+              <a:t>9/18/2019</a:t>
             </a:fld>
             <a:endParaRPr lang="en-US"/>
           </a:p>
@@ -2072,14 +2088,14 @@
           <a:ln/>
           <a:extLst>
             <a:ext uri="{909E8E84-426E-40dd-AFC4-6F175D3DCCD1}">
-              <a14:hiddenFill xmlns="" xmlns:a14="http://schemas.microsoft.com/office/drawing/2010/main">
+              <a14:hiddenFill xmlns:a14="http://schemas.microsoft.com/office/drawing/2010/main" xmlns="">
                 <a:solidFill>
                   <a:srgbClr val="FFFFFF"/>
                 </a:solidFill>
               </a14:hiddenFill>
             </a:ext>
             <a:ext uri="{91240B29-F687-4f45-9708-019B960494DF}">
-              <a14:hiddenLine xmlns="" xmlns:a14="http://schemas.microsoft.com/office/drawing/2010/main" w="9525">
+              <a14:hiddenLine xmlns:a14="http://schemas.microsoft.com/office/drawing/2010/main" xmlns="" w="9525">
                 <a:solidFill>
                   <a:srgbClr val="000000"/>
                 </a:solidFill>
@@ -2231,14 +2247,14 @@
           <a:ln/>
           <a:extLst>
             <a:ext uri="{909E8E84-426E-40dd-AFC4-6F175D3DCCD1}">
-              <a14:hiddenFill xmlns="" xmlns:a14="http://schemas.microsoft.com/office/drawing/2010/main">
+              <a14:hiddenFill xmlns:a14="http://schemas.microsoft.com/office/drawing/2010/main" xmlns="">
                 <a:solidFill>
                   <a:srgbClr val="FFFFFF"/>
                 </a:solidFill>
               </a14:hiddenFill>
             </a:ext>
             <a:ext uri="{91240B29-F687-4f45-9708-019B960494DF}">
-              <a14:hiddenLine xmlns="" xmlns:a14="http://schemas.microsoft.com/office/drawing/2010/main" w="9525">
+              <a14:hiddenLine xmlns:a14="http://schemas.microsoft.com/office/drawing/2010/main" xmlns="" w="9525">
                 <a:solidFill>
                   <a:srgbClr val="000000"/>
                 </a:solidFill>
@@ -2406,14 +2422,14 @@
           <a:ln/>
           <a:extLst>
             <a:ext uri="{909E8E84-426E-40dd-AFC4-6F175D3DCCD1}">
-              <a14:hiddenFill xmlns="" xmlns:a14="http://schemas.microsoft.com/office/drawing/2010/main">
+              <a14:hiddenFill xmlns:a14="http://schemas.microsoft.com/office/drawing/2010/main" xmlns="">
                 <a:solidFill>
                   <a:srgbClr val="FFFFFF"/>
                 </a:solidFill>
               </a14:hiddenFill>
             </a:ext>
             <a:ext uri="{91240B29-F687-4f45-9708-019B960494DF}">
-              <a14:hiddenLine xmlns="" xmlns:a14="http://schemas.microsoft.com/office/drawing/2010/main" w="9525">
+              <a14:hiddenLine xmlns:a14="http://schemas.microsoft.com/office/drawing/2010/main" xmlns="" w="9525">
                 <a:solidFill>
                   <a:srgbClr val="000000"/>
                 </a:solidFill>
@@ -2423,7 +2439,7 @@
               </a14:hiddenLine>
             </a:ext>
             <a:ext uri="{FAA26D3D-D897-4be2-8F04-BA451C77F1D7}">
-              <ma14:placeholderFlag xmlns="" xmlns:ma14="http://schemas.microsoft.com/office/mac/drawingml/2011/main" val="1"/>
+              <ma14:placeholderFlag xmlns:ma14="http://schemas.microsoft.com/office/mac/drawingml/2011/main" xmlns="" val="1"/>
             </a:ext>
           </a:extLst>
         </p:spPr>
@@ -2475,14 +2491,14 @@
           <a:ln/>
           <a:extLst>
             <a:ext uri="{909E8E84-426E-40dd-AFC4-6F175D3DCCD1}">
-              <a14:hiddenFill xmlns="" xmlns:a14="http://schemas.microsoft.com/office/drawing/2010/main">
+              <a14:hiddenFill xmlns:a14="http://schemas.microsoft.com/office/drawing/2010/main" xmlns="">
                 <a:solidFill>
                   <a:srgbClr val="FFFFFF"/>
                 </a:solidFill>
               </a14:hiddenFill>
             </a:ext>
             <a:ext uri="{91240B29-F687-4f45-9708-019B960494DF}">
-              <a14:hiddenLine xmlns="" xmlns:a14="http://schemas.microsoft.com/office/drawing/2010/main" w="9525">
+              <a14:hiddenLine xmlns:a14="http://schemas.microsoft.com/office/drawing/2010/main" xmlns="" w="9525">
                 <a:solidFill>
                   <a:srgbClr val="000000"/>
                 </a:solidFill>
@@ -2615,7 +2631,7 @@
             <a:fld id="{ADD20E48-21D5-BD43-8B8D-F79BDA59AAEF}" type="datetime1">
               <a:rPr lang="en-US"/>
               <a:pPr/>
-              <a:t>9/13/2019</a:t>
+              <a:t>9/18/2019</a:t>
             </a:fld>
             <a:endParaRPr lang="en-US"/>
           </a:p>
@@ -2636,14 +2652,14 @@
           <a:ln/>
           <a:extLst>
             <a:ext uri="{909E8E84-426E-40dd-AFC4-6F175D3DCCD1}">
-              <a14:hiddenFill xmlns="" xmlns:a14="http://schemas.microsoft.com/office/drawing/2010/main">
+              <a14:hiddenFill xmlns:a14="http://schemas.microsoft.com/office/drawing/2010/main" xmlns="">
                 <a:solidFill>
                   <a:srgbClr val="FFFFFF"/>
                 </a:solidFill>
               </a14:hiddenFill>
             </a:ext>
             <a:ext uri="{91240B29-F687-4f45-9708-019B960494DF}">
-              <a14:hiddenLine xmlns="" xmlns:a14="http://schemas.microsoft.com/office/drawing/2010/main" w="9525">
+              <a14:hiddenLine xmlns:a14="http://schemas.microsoft.com/office/drawing/2010/main" xmlns="" w="9525">
                 <a:solidFill>
                   <a:srgbClr val="000000"/>
                 </a:solidFill>
@@ -2795,14 +2811,14 @@
           <a:ln/>
           <a:extLst>
             <a:ext uri="{909E8E84-426E-40dd-AFC4-6F175D3DCCD1}">
-              <a14:hiddenFill xmlns="" xmlns:a14="http://schemas.microsoft.com/office/drawing/2010/main">
+              <a14:hiddenFill xmlns:a14="http://schemas.microsoft.com/office/drawing/2010/main" xmlns="">
                 <a:solidFill>
                   <a:srgbClr val="FFFFFF"/>
                 </a:solidFill>
               </a14:hiddenFill>
             </a:ext>
             <a:ext uri="{91240B29-F687-4f45-9708-019B960494DF}">
-              <a14:hiddenLine xmlns="" xmlns:a14="http://schemas.microsoft.com/office/drawing/2010/main" w="9525">
+              <a14:hiddenLine xmlns:a14="http://schemas.microsoft.com/office/drawing/2010/main" xmlns="" w="9525">
                 <a:solidFill>
                   <a:srgbClr val="000000"/>
                 </a:solidFill>
@@ -2970,14 +2986,14 @@
           <a:ln/>
           <a:extLst>
             <a:ext uri="{909E8E84-426E-40dd-AFC4-6F175D3DCCD1}">
-              <a14:hiddenFill xmlns="" xmlns:a14="http://schemas.microsoft.com/office/drawing/2010/main">
+              <a14:hiddenFill xmlns:a14="http://schemas.microsoft.com/office/drawing/2010/main" xmlns="">
                 <a:solidFill>
                   <a:srgbClr val="FFFFFF"/>
                 </a:solidFill>
               </a14:hiddenFill>
             </a:ext>
             <a:ext uri="{91240B29-F687-4f45-9708-019B960494DF}">
-              <a14:hiddenLine xmlns="" xmlns:a14="http://schemas.microsoft.com/office/drawing/2010/main" w="9525">
+              <a14:hiddenLine xmlns:a14="http://schemas.microsoft.com/office/drawing/2010/main" xmlns="" w="9525">
                 <a:solidFill>
                   <a:srgbClr val="000000"/>
                 </a:solidFill>
@@ -2987,7 +3003,7 @@
               </a14:hiddenLine>
             </a:ext>
             <a:ext uri="{FAA26D3D-D897-4be2-8F04-BA451C77F1D7}">
-              <ma14:placeholderFlag xmlns="" xmlns:ma14="http://schemas.microsoft.com/office/mac/drawingml/2011/main" val="1"/>
+              <ma14:placeholderFlag xmlns:ma14="http://schemas.microsoft.com/office/mac/drawingml/2011/main" xmlns="" val="1"/>
             </a:ext>
           </a:extLst>
         </p:spPr>
@@ -3089,7 +3105,7 @@
           </a:ln>
           <a:extLst>
             <a:ext uri="{909E8E84-426E-40dd-AFC4-6F175D3DCCD1}">
-              <a14:hiddenFill xmlns="" xmlns:a14="http://schemas.microsoft.com/office/drawing/2010/main">
+              <a14:hiddenFill xmlns:a14="http://schemas.microsoft.com/office/drawing/2010/main" xmlns="">
                 <a:solidFill>
                   <a:srgbClr val="FFFFFF"/>
                 </a:solidFill>
@@ -3132,7 +3148,7 @@
           </a:ln>
           <a:extLst>
             <a:ext uri="{909E8E84-426E-40dd-AFC4-6F175D3DCCD1}">
-              <a14:hiddenFill xmlns="" xmlns:a14="http://schemas.microsoft.com/office/drawing/2010/main">
+              <a14:hiddenFill xmlns:a14="http://schemas.microsoft.com/office/drawing/2010/main" xmlns="">
                 <a:noFill/>
               </a14:hiddenFill>
             </a:ext>
@@ -3231,7 +3247,7 @@
           <a:p>
             <a:fld id="{3D40272C-6423-484D-9210-4A88BA6F33A3}" type="datetime1">
               <a:rPr lang="en-US" smtClean="0"/>
-              <a:t>9/13/2019</a:t>
+              <a:t>9/18/2019</a:t>
             </a:fld>
             <a:endParaRPr lang="en-US"/>
           </a:p>
@@ -3425,7 +3441,7 @@
           <a:p>
             <a:fld id="{1F1A8B1C-A79A-49C7-A363-0F2A3F6C0215}" type="datetime1">
               <a:rPr lang="en-US" smtClean="0"/>
-              <a:t>9/13/2019</a:t>
+              <a:t>9/18/2019</a:t>
             </a:fld>
             <a:endParaRPr lang="en-US"/>
           </a:p>
@@ -3628,7 +3644,7 @@
           <a:p>
             <a:fld id="{B2C324D4-F5B4-4A23-B1E1-BBB42EC35832}" type="datetime1">
               <a:rPr lang="en-US" smtClean="0"/>
-              <a:t>9/13/2019</a:t>
+              <a:t>9/18/2019</a:t>
             </a:fld>
             <a:endParaRPr lang="en-US"/>
           </a:p>
@@ -3887,7 +3903,7 @@
           <a:p>
             <a:fld id="{49A8BD42-71C6-45A3-9AC7-99977C24BF71}" type="datetime1">
               <a:rPr lang="en-US" smtClean="0"/>
-              <a:t>9/13/2019</a:t>
+              <a:t>9/18/2019</a:t>
             </a:fld>
             <a:endParaRPr lang="en-US"/>
           </a:p>
@@ -4146,7 +4162,7 @@
           <a:p>
             <a:fld id="{1BE066CC-25F3-4D82-A495-8D30D8661CB6}" type="datetime1">
               <a:rPr lang="en-US" smtClean="0"/>
-              <a:t>9/13/2019</a:t>
+              <a:t>9/18/2019</a:t>
             </a:fld>
             <a:endParaRPr lang="en-US"/>
           </a:p>
@@ -4339,7 +4355,7 @@
           <a:p>
             <a:fld id="{8025F5B4-01A5-4C53-97FC-C87D3F84FBB2}" type="datetime1">
               <a:rPr lang="en-US" smtClean="0"/>
-              <a:t>9/13/2019</a:t>
+              <a:t>9/18/2019</a:t>
             </a:fld>
             <a:endParaRPr lang="en-US"/>
           </a:p>
@@ -4555,7 +4571,7 @@
           <a:p>
             <a:fld id="{4096AEE8-4FB9-4CF9-8670-611E458B7456}" type="datetime1">
               <a:rPr lang="en-US" smtClean="0"/>
-              <a:t>9/13/2019</a:t>
+              <a:t>9/18/2019</a:t>
             </a:fld>
             <a:endParaRPr lang="en-US"/>
           </a:p>
@@ -4865,7 +4881,7 @@
           <a:p>
             <a:fld id="{08C251D7-CAEA-4E21-85E5-B6376F1B211B}" type="datetime1">
               <a:rPr lang="en-US" smtClean="0"/>
-              <a:t>9/13/2019</a:t>
+              <a:t>9/18/2019</a:t>
             </a:fld>
             <a:endParaRPr lang="en-US"/>
           </a:p>
@@ -5314,7 +5330,7 @@
           <a:p>
             <a:fld id="{C48ED67C-0825-40BF-B344-1406989C3EA0}" type="datetime1">
               <a:rPr lang="en-US" smtClean="0"/>
-              <a:t>9/13/2019</a:t>
+              <a:t>9/18/2019</a:t>
             </a:fld>
             <a:endParaRPr lang="en-US"/>
           </a:p>
@@ -5456,7 +5472,7 @@
           <a:p>
             <a:fld id="{B04E6236-ACEB-4539-B1D6-204FB2891329}" type="datetime1">
               <a:rPr lang="en-US" smtClean="0"/>
-              <a:t>9/13/2019</a:t>
+              <a:t>9/18/2019</a:t>
             </a:fld>
             <a:endParaRPr lang="en-US"/>
           </a:p>
@@ -5576,7 +5592,7 @@
           <a:p>
             <a:fld id="{5C179C29-D33C-4122-B497-C04CD6B7901C}" type="datetime1">
               <a:rPr lang="en-US" smtClean="0"/>
-              <a:t>9/13/2019</a:t>
+              <a:t>9/18/2019</a:t>
             </a:fld>
             <a:endParaRPr lang="en-US"/>
           </a:p>
@@ -5876,7 +5892,7 @@
           <a:p>
             <a:fld id="{FB10CFD1-442D-40C6-8D93-2107CB39C531}" type="datetime1">
               <a:rPr lang="en-US" smtClean="0"/>
-              <a:t>9/13/2019</a:t>
+              <a:t>9/18/2019</a:t>
             </a:fld>
             <a:endParaRPr lang="en-US"/>
           </a:p>
@@ -6154,7 +6170,7 @@
           <a:p>
             <a:fld id="{089F2EC0-555C-42F9-BABE-A5EFE8470C99}" type="datetime1">
               <a:rPr lang="en-US" smtClean="0"/>
-              <a:t>9/13/2019</a:t>
+              <a:t>9/18/2019</a:t>
             </a:fld>
             <a:endParaRPr lang="en-US"/>
           </a:p>
@@ -6283,14 +6299,14 @@
           </a:ln>
           <a:extLst>
             <a:ext uri="{909E8E84-426E-40dd-AFC4-6F175D3DCCD1}">
-              <a14:hiddenFill xmlns="" xmlns:a14="http://schemas.microsoft.com/office/drawing/2010/main">
+              <a14:hiddenFill xmlns:a14="http://schemas.microsoft.com/office/drawing/2010/main" xmlns="">
                 <a:solidFill>
                   <a:srgbClr val="FFFFFF"/>
                 </a:solidFill>
               </a14:hiddenFill>
             </a:ext>
             <a:ext uri="{91240B29-F687-4f45-9708-019B960494DF}">
-              <a14:hiddenLine xmlns="" xmlns:a14="http://schemas.microsoft.com/office/drawing/2010/main" w="9525">
+              <a14:hiddenLine xmlns:a14="http://schemas.microsoft.com/office/drawing/2010/main" xmlns="" w="9525">
                 <a:solidFill>
                   <a:srgbClr val="000000"/>
                 </a:solidFill>
@@ -6300,7 +6316,7 @@
               </a14:hiddenLine>
             </a:ext>
             <a:ext uri="{FAA26D3D-D897-4be2-8F04-BA451C77F1D7}">
-              <ma14:placeholderFlag xmlns="" xmlns:ma14="http://schemas.microsoft.com/office/mac/drawingml/2011/main" val="1"/>
+              <ma14:placeholderFlag xmlns:ma14="http://schemas.microsoft.com/office/mac/drawingml/2011/main" xmlns="" val="1"/>
             </a:ext>
           </a:extLst>
         </p:spPr>
@@ -6344,14 +6360,14 @@
           </a:ln>
           <a:extLst>
             <a:ext uri="{909E8E84-426E-40dd-AFC4-6F175D3DCCD1}">
-              <a14:hiddenFill xmlns="" xmlns:a14="http://schemas.microsoft.com/office/drawing/2010/main">
+              <a14:hiddenFill xmlns:a14="http://schemas.microsoft.com/office/drawing/2010/main" xmlns="">
                 <a:solidFill>
                   <a:srgbClr val="FFFFFF"/>
                 </a:solidFill>
               </a14:hiddenFill>
             </a:ext>
             <a:ext uri="{91240B29-F687-4f45-9708-019B960494DF}">
-              <a14:hiddenLine xmlns="" xmlns:a14="http://schemas.microsoft.com/office/drawing/2010/main" w="9525">
+              <a14:hiddenLine xmlns:a14="http://schemas.microsoft.com/office/drawing/2010/main" xmlns="" w="9525">
                 <a:solidFill>
                   <a:srgbClr val="000000"/>
                 </a:solidFill>
@@ -6361,7 +6377,7 @@
               </a14:hiddenLine>
             </a:ext>
             <a:ext uri="{FAA26D3D-D897-4be2-8F04-BA451C77F1D7}">
-              <ma14:placeholderFlag xmlns="" xmlns:ma14="http://schemas.microsoft.com/office/mac/drawingml/2011/main" val="1"/>
+              <ma14:placeholderFlag xmlns:ma14="http://schemas.microsoft.com/office/mac/drawingml/2011/main" xmlns="" val="1"/>
             </a:ext>
           </a:extLst>
         </p:spPr>
@@ -6452,7 +6468,7 @@
           <a:p>
             <a:fld id="{D529C8C8-E175-4356-BB88-82D7048F4660}" type="datetime1">
               <a:rPr lang="en-US" smtClean="0"/>
-              <a:t>9/13/2019</a:t>
+              <a:t>9/18/2019</a:t>
             </a:fld>
             <a:endParaRPr lang="en-US"/>
           </a:p>
@@ -6626,7 +6642,7 @@
           </a:ln>
           <a:extLst>
             <a:ext uri="{909E8E84-426E-40dd-AFC4-6F175D3DCCD1}">
-              <a14:hiddenFill xmlns="" xmlns:a14="http://schemas.microsoft.com/office/drawing/2010/main">
+              <a14:hiddenFill xmlns:a14="http://schemas.microsoft.com/office/drawing/2010/main" xmlns="">
                 <a:solidFill>
                   <a:srgbClr val="FFFFFF"/>
                 </a:solidFill>
@@ -6669,7 +6685,7 @@
           </a:ln>
           <a:extLst>
             <a:ext uri="{909E8E84-426E-40dd-AFC4-6F175D3DCCD1}">
-              <a14:hiddenFill xmlns="" xmlns:a14="http://schemas.microsoft.com/office/drawing/2010/main">
+              <a14:hiddenFill xmlns:a14="http://schemas.microsoft.com/office/drawing/2010/main" xmlns="">
                 <a:noFill/>
               </a14:hiddenFill>
             </a:ext>
@@ -7673,7 +7689,7 @@
               <a:rPr lang="en-US" smtClean="0">
                 <a:latin typeface="Garamond" charset="0"/>
               </a:rPr>
-              <a:t>9/13/2019</a:t>
+              <a:t>9/18/2019</a:t>
             </a:fld>
             <a:endParaRPr lang="en-US">
               <a:latin typeface="Garamond" charset="0"/>
@@ -8244,7 +8260,7 @@
               <a:rPr lang="en-US" smtClean="0">
                 <a:latin typeface="Garamond" charset="0"/>
               </a:rPr>
-              <a:t>9/13/2019</a:t>
+              <a:t>9/18/2019</a:t>
             </a:fld>
             <a:endParaRPr lang="en-US">
               <a:latin typeface="Garamond" charset="0"/>
@@ -8730,7 +8746,7 @@
               <a:rPr lang="en-US" smtClean="0">
                 <a:latin typeface="Garamond" charset="0"/>
               </a:rPr>
-              <a:t>9/13/2019</a:t>
+              <a:t>9/18/2019</a:t>
             </a:fld>
             <a:endParaRPr lang="en-US">
               <a:latin typeface="Garamond" charset="0"/>
@@ -9378,7 +9394,7 @@
               <a:rPr lang="en-US" smtClean="0">
                 <a:latin typeface="Garamond" charset="0"/>
               </a:rPr>
-              <a:t>9/13/2019</a:t>
+              <a:t>9/18/2019</a:t>
             </a:fld>
             <a:endParaRPr lang="en-US">
               <a:latin typeface="Garamond" charset="0"/>
@@ -9836,7 +9852,7 @@
               <a:rPr lang="en-US" smtClean="0">
                 <a:latin typeface="Garamond" charset="0"/>
               </a:rPr>
-              <a:t>9/13/2019</a:t>
+              <a:t>9/18/2019</a:t>
             </a:fld>
             <a:endParaRPr lang="en-US">
               <a:latin typeface="Garamond" charset="0"/>
@@ -10288,7 +10304,7 @@
               <a:rPr lang="en-US" smtClean="0">
                 <a:latin typeface="Garamond" charset="0"/>
               </a:rPr>
-              <a:t>9/13/2019</a:t>
+              <a:t>9/18/2019</a:t>
             </a:fld>
             <a:endParaRPr lang="en-US">
               <a:latin typeface="Garamond" charset="0"/>
@@ -11586,7 +11602,7 @@
               <a:rPr lang="en-US" smtClean="0">
                 <a:latin typeface="Garamond" charset="0"/>
               </a:rPr>
-              <a:t>9/13/2019</a:t>
+              <a:t>9/18/2019</a:t>
             </a:fld>
             <a:endParaRPr lang="en-US">
               <a:latin typeface="Garamond" charset="0"/>
@@ -11795,7 +11811,7 @@
       </p:grpSpPr>
       <p:sp>
         <p:nvSpPr>
-          <p:cNvPr id="12290" name="Title 1"/>
+          <p:cNvPr id="11266" name="Title 1"/>
           <p:cNvSpPr>
             <a:spLocks noGrp="1"/>
           </p:cNvSpPr>
@@ -11812,11 +11828,832 @@
               <a:rPr lang="en-US">
                 <a:latin typeface="Garamond" charset="0"/>
               </a:rPr>
-              <a:t>Solution</a:t>
+              <a:t>Example</a:t>
             </a:r>
           </a:p>
         </p:txBody>
       </p:sp>
+      <p:graphicFrame>
+        <p:nvGraphicFramePr>
+          <p:cNvPr id="11" name="Content Placeholder 10"/>
+          <p:cNvGraphicFramePr>
+            <a:graphicFrameLocks noGrp="1"/>
+          </p:cNvGraphicFramePr>
+          <p:nvPr>
+            <p:ph sz="half" idx="1"/>
+          </p:nvPr>
+        </p:nvGraphicFramePr>
+        <p:xfrm>
+          <a:off x="-381000" y="1676400"/>
+          <a:ext cx="4343400" cy="1854200"/>
+        </p:xfrm>
+        <a:graphic>
+          <a:graphicData uri="http://schemas.openxmlformats.org/drawingml/2006/table">
+            <a:tbl>
+              <a:tblPr firstRow="1" bandRow="1">
+                <a:tableStyleId>{5940675A-B579-460E-94D1-54222C63F5DA}</a:tableStyleId>
+              </a:tblPr>
+              <a:tblGrid>
+                <a:gridCol w="1600200">
+                  <a:extLst>
+                    <a:ext uri="{9D8B030D-6E8A-4147-A177-3AD203B41FA5}">
+                      <a16:colId xmlns:a16="http://schemas.microsoft.com/office/drawing/2014/main" val="20000"/>
+                    </a:ext>
+                  </a:extLst>
+                </a:gridCol>
+                <a:gridCol w="685800">
+                  <a:extLst>
+                    <a:ext uri="{9D8B030D-6E8A-4147-A177-3AD203B41FA5}">
+                      <a16:colId xmlns:a16="http://schemas.microsoft.com/office/drawing/2014/main" val="20001"/>
+                    </a:ext>
+                  </a:extLst>
+                </a:gridCol>
+                <a:gridCol w="685800">
+                  <a:extLst>
+                    <a:ext uri="{9D8B030D-6E8A-4147-A177-3AD203B41FA5}">
+                      <a16:colId xmlns:a16="http://schemas.microsoft.com/office/drawing/2014/main" val="20002"/>
+                    </a:ext>
+                  </a:extLst>
+                </a:gridCol>
+                <a:gridCol w="685800">
+                  <a:extLst>
+                    <a:ext uri="{9D8B030D-6E8A-4147-A177-3AD203B41FA5}">
+                      <a16:colId xmlns:a16="http://schemas.microsoft.com/office/drawing/2014/main" val="20003"/>
+                    </a:ext>
+                  </a:extLst>
+                </a:gridCol>
+                <a:gridCol w="685800">
+                  <a:extLst>
+                    <a:ext uri="{9D8B030D-6E8A-4147-A177-3AD203B41FA5}">
+                      <a16:colId xmlns:a16="http://schemas.microsoft.com/office/drawing/2014/main" val="20004"/>
+                    </a:ext>
+                  </a:extLst>
+                </a:gridCol>
+              </a:tblGrid>
+              <a:tr h="370840">
+                <a:tc>
+                  <a:txBody>
+                    <a:bodyPr/>
+                    <a:lstStyle/>
+                    <a:p>
+                      <a:pPr algn="r"/>
+                      <a:endParaRPr lang="en-US" dirty="0"/>
+                    </a:p>
+                  </a:txBody>
+                  <a:tcPr>
+                    <a:lnL w="12700" cap="flat" cmpd="sng" algn="ctr">
+                      <a:noFill/>
+                      <a:prstDash val="solid"/>
+                      <a:round/>
+                      <a:headEnd type="none" w="med" len="med"/>
+                      <a:tailEnd type="none" w="med" len="med"/>
+                    </a:lnL>
+                    <a:lnR w="12700" cap="flat" cmpd="sng" algn="ctr">
+                      <a:noFill/>
+                      <a:prstDash val="solid"/>
+                      <a:round/>
+                      <a:headEnd type="none" w="med" len="med"/>
+                      <a:tailEnd type="none" w="med" len="med"/>
+                    </a:lnR>
+                    <a:lnT w="12700" cap="flat" cmpd="sng" algn="ctr">
+                      <a:noFill/>
+                      <a:prstDash val="solid"/>
+                      <a:round/>
+                      <a:headEnd type="none" w="med" len="med"/>
+                      <a:tailEnd type="none" w="med" len="med"/>
+                    </a:lnT>
+                    <a:lnB w="12700" cap="flat" cmpd="sng" algn="ctr">
+                      <a:noFill/>
+                      <a:prstDash val="solid"/>
+                      <a:round/>
+                      <a:headEnd type="none" w="med" len="med"/>
+                      <a:tailEnd type="none" w="med" len="med"/>
+                    </a:lnB>
+                    <a:lnTlToBr w="12700" cmpd="sng">
+                      <a:noFill/>
+                      <a:prstDash val="solid"/>
+                    </a:lnTlToBr>
+                    <a:lnBlToTr w="12700" cmpd="sng">
+                      <a:noFill/>
+                      <a:prstDash val="solid"/>
+                    </a:lnBlToTr>
+                  </a:tcPr>
+                </a:tc>
+                <a:tc>
+                  <a:txBody>
+                    <a:bodyPr/>
+                    <a:lstStyle/>
+                    <a:p>
+                      <a:pPr algn="ctr"/>
+                      <a:r>
+                        <a:rPr lang="en-US" dirty="0"/>
+                        <a:t>Lo</a:t>
+                      </a:r>
+                    </a:p>
+                  </a:txBody>
+                  <a:tcPr>
+                    <a:lnL w="12700" cap="flat" cmpd="sng" algn="ctr">
+                      <a:noFill/>
+                      <a:prstDash val="solid"/>
+                      <a:round/>
+                      <a:headEnd type="none" w="med" len="med"/>
+                      <a:tailEnd type="none" w="med" len="med"/>
+                    </a:lnL>
+                    <a:lnR w="12700" cmpd="sng">
+                      <a:noFill/>
+                    </a:lnR>
+                    <a:lnT w="12700" cmpd="sng">
+                      <a:noFill/>
+                    </a:lnT>
+                    <a:lnB w="12700" cap="flat" cmpd="sng" algn="ctr">
+                      <a:solidFill>
+                        <a:schemeClr val="tx1"/>
+                      </a:solidFill>
+                      <a:prstDash val="solid"/>
+                      <a:round/>
+                      <a:headEnd type="none" w="med" len="med"/>
+                      <a:tailEnd type="none" w="med" len="med"/>
+                    </a:lnB>
+                    <a:lnTlToBr w="12700" cmpd="sng">
+                      <a:noFill/>
+                      <a:prstDash val="solid"/>
+                    </a:lnTlToBr>
+                    <a:lnBlToTr w="12700" cmpd="sng">
+                      <a:noFill/>
+                      <a:prstDash val="solid"/>
+                    </a:lnBlToTr>
+                  </a:tcPr>
+                </a:tc>
+                <a:tc>
+                  <a:txBody>
+                    <a:bodyPr/>
+                    <a:lstStyle/>
+                    <a:p>
+                      <a:pPr algn="ctr"/>
+                      <a:endParaRPr lang="en-US" dirty="0"/>
+                    </a:p>
+                  </a:txBody>
+                  <a:tcPr>
+                    <a:lnL w="12700" cmpd="sng">
+                      <a:noFill/>
+                    </a:lnL>
+                    <a:lnR w="12700" cmpd="sng">
+                      <a:noFill/>
+                    </a:lnR>
+                    <a:lnT w="12700" cmpd="sng">
+                      <a:noFill/>
+                    </a:lnT>
+                    <a:lnB w="12700" cap="flat" cmpd="sng" algn="ctr">
+                      <a:solidFill>
+                        <a:schemeClr val="tx1"/>
+                      </a:solidFill>
+                      <a:prstDash val="solid"/>
+                      <a:round/>
+                      <a:headEnd type="none" w="med" len="med"/>
+                      <a:tailEnd type="none" w="med" len="med"/>
+                    </a:lnB>
+                    <a:lnTlToBr w="12700" cmpd="sng">
+                      <a:noFill/>
+                      <a:prstDash val="solid"/>
+                    </a:lnTlToBr>
+                    <a:lnBlToTr w="12700" cmpd="sng">
+                      <a:noFill/>
+                      <a:prstDash val="solid"/>
+                    </a:lnBlToTr>
+                  </a:tcPr>
+                </a:tc>
+                <a:tc>
+                  <a:txBody>
+                    <a:bodyPr/>
+                    <a:lstStyle/>
+                    <a:p>
+                      <a:pPr algn="ctr"/>
+                      <a:endParaRPr lang="en-US" dirty="0"/>
+                    </a:p>
+                  </a:txBody>
+                  <a:tcPr>
+                    <a:lnL w="12700" cmpd="sng">
+                      <a:noFill/>
+                    </a:lnL>
+                    <a:lnR w="12700" cmpd="sng">
+                      <a:noFill/>
+                    </a:lnR>
+                    <a:lnT w="12700" cmpd="sng">
+                      <a:noFill/>
+                    </a:lnT>
+                    <a:lnB w="12700" cap="flat" cmpd="sng" algn="ctr">
+                      <a:solidFill>
+                        <a:schemeClr val="tx1"/>
+                      </a:solidFill>
+                      <a:prstDash val="solid"/>
+                      <a:round/>
+                      <a:headEnd type="none" w="med" len="med"/>
+                      <a:tailEnd type="none" w="med" len="med"/>
+                    </a:lnB>
+                    <a:lnTlToBr w="12700" cmpd="sng">
+                      <a:noFill/>
+                      <a:prstDash val="solid"/>
+                    </a:lnTlToBr>
+                    <a:lnBlToTr w="12700" cmpd="sng">
+                      <a:noFill/>
+                      <a:prstDash val="solid"/>
+                    </a:lnBlToTr>
+                  </a:tcPr>
+                </a:tc>
+                <a:tc>
+                  <a:txBody>
+                    <a:bodyPr/>
+                    <a:lstStyle/>
+                    <a:p>
+                      <a:pPr algn="ctr"/>
+                      <a:r>
+                        <a:rPr lang="en-US" dirty="0"/>
+                        <a:t>Hi</a:t>
+                      </a:r>
+                    </a:p>
+                  </a:txBody>
+                  <a:tcPr>
+                    <a:lnL w="12700" cmpd="sng">
+                      <a:noFill/>
+                    </a:lnL>
+                    <a:lnR w="12700" cmpd="sng">
+                      <a:noFill/>
+                    </a:lnR>
+                    <a:lnT w="12700" cmpd="sng">
+                      <a:noFill/>
+                    </a:lnT>
+                    <a:lnB w="12700" cap="flat" cmpd="sng" algn="ctr">
+                      <a:solidFill>
+                        <a:schemeClr val="tx1"/>
+                      </a:solidFill>
+                      <a:prstDash val="solid"/>
+                      <a:round/>
+                      <a:headEnd type="none" w="med" len="med"/>
+                      <a:tailEnd type="none" w="med" len="med"/>
+                    </a:lnB>
+                    <a:lnTlToBr w="12700" cmpd="sng">
+                      <a:noFill/>
+                      <a:prstDash val="solid"/>
+                    </a:lnTlToBr>
+                    <a:lnBlToTr w="12700" cmpd="sng">
+                      <a:noFill/>
+                      <a:prstDash val="solid"/>
+                    </a:lnBlToTr>
+                  </a:tcPr>
+                </a:tc>
+                <a:extLst>
+                  <a:ext uri="{0D108BD9-81ED-4DB2-BD59-A6C34878D82A}">
+                    <a16:rowId xmlns:a16="http://schemas.microsoft.com/office/drawing/2014/main" val="10000"/>
+                  </a:ext>
+                </a:extLst>
+              </a:tr>
+              <a:tr h="370840">
+                <a:tc>
+                  <a:txBody>
+                    <a:bodyPr/>
+                    <a:lstStyle/>
+                    <a:p>
+                      <a:pPr algn="r"/>
+                      <a:r>
+                        <a:rPr lang="en-US" dirty="0"/>
+                        <a:t>0x528000</a:t>
+                      </a:r>
+                    </a:p>
+                  </a:txBody>
+                  <a:tcPr>
+                    <a:lnL w="12700" cap="flat" cmpd="sng" algn="ctr">
+                      <a:noFill/>
+                      <a:prstDash val="solid"/>
+                      <a:round/>
+                      <a:headEnd type="none" w="med" len="med"/>
+                      <a:tailEnd type="none" w="med" len="med"/>
+                    </a:lnL>
+                    <a:lnR w="12700" cap="flat" cmpd="sng" algn="ctr">
+                      <a:solidFill>
+                        <a:schemeClr val="tx1"/>
+                      </a:solidFill>
+                      <a:prstDash val="solid"/>
+                      <a:round/>
+                      <a:headEnd type="none" w="med" len="med"/>
+                      <a:tailEnd type="none" w="med" len="med"/>
+                    </a:lnR>
+                    <a:lnT w="12700" cap="flat" cmpd="sng" algn="ctr">
+                      <a:noFill/>
+                      <a:prstDash val="solid"/>
+                      <a:round/>
+                      <a:headEnd type="none" w="med" len="med"/>
+                      <a:tailEnd type="none" w="med" len="med"/>
+                    </a:lnT>
+                    <a:lnB w="12700" cap="flat" cmpd="sng" algn="ctr">
+                      <a:noFill/>
+                      <a:prstDash val="solid"/>
+                      <a:round/>
+                      <a:headEnd type="none" w="med" len="med"/>
+                      <a:tailEnd type="none" w="med" len="med"/>
+                    </a:lnB>
+                    <a:lnTlToBr w="12700" cmpd="sng">
+                      <a:noFill/>
+                      <a:prstDash val="solid"/>
+                    </a:lnTlToBr>
+                    <a:lnBlToTr w="12700" cmpd="sng">
+                      <a:noFill/>
+                      <a:prstDash val="solid"/>
+                    </a:lnBlToTr>
+                  </a:tcPr>
+                </a:tc>
+                <a:tc>
+                  <a:txBody>
+                    <a:bodyPr/>
+                    <a:lstStyle/>
+                    <a:p>
+                      <a:pPr algn="ctr"/>
+                      <a:r>
+                        <a:rPr lang="en-US" dirty="0"/>
+                        <a:t>50</a:t>
+                      </a:r>
+                    </a:p>
+                  </a:txBody>
+                  <a:tcPr>
+                    <a:lnL w="12700" cap="flat" cmpd="sng" algn="ctr">
+                      <a:solidFill>
+                        <a:schemeClr val="tx1"/>
+                      </a:solidFill>
+                      <a:prstDash val="solid"/>
+                      <a:round/>
+                      <a:headEnd type="none" w="med" len="med"/>
+                      <a:tailEnd type="none" w="med" len="med"/>
+                    </a:lnL>
+                    <a:lnT w="12700" cap="flat" cmpd="sng" algn="ctr">
+                      <a:solidFill>
+                        <a:schemeClr val="tx1"/>
+                      </a:solidFill>
+                      <a:prstDash val="solid"/>
+                      <a:round/>
+                      <a:headEnd type="none" w="med" len="med"/>
+                      <a:tailEnd type="none" w="med" len="med"/>
+                    </a:lnT>
+                  </a:tcPr>
+                </a:tc>
+                <a:tc>
+                  <a:txBody>
+                    <a:bodyPr/>
+                    <a:lstStyle/>
+                    <a:p>
+                      <a:pPr algn="ctr"/>
+                      <a:r>
+                        <a:rPr lang="en-US" dirty="0"/>
+                        <a:t>88</a:t>
+                      </a:r>
+                    </a:p>
+                  </a:txBody>
+                  <a:tcPr>
+                    <a:lnT w="12700" cap="flat" cmpd="sng" algn="ctr">
+                      <a:solidFill>
+                        <a:schemeClr val="tx1"/>
+                      </a:solidFill>
+                      <a:prstDash val="solid"/>
+                      <a:round/>
+                      <a:headEnd type="none" w="med" len="med"/>
+                      <a:tailEnd type="none" w="med" len="med"/>
+                    </a:lnT>
+                  </a:tcPr>
+                </a:tc>
+                <a:tc>
+                  <a:txBody>
+                    <a:bodyPr/>
+                    <a:lstStyle/>
+                    <a:p>
+                      <a:pPr algn="ctr"/>
+                      <a:r>
+                        <a:rPr lang="en-US" dirty="0"/>
+                        <a:t>31</a:t>
+                      </a:r>
+                    </a:p>
+                  </a:txBody>
+                  <a:tcPr>
+                    <a:lnT w="12700" cap="flat" cmpd="sng" algn="ctr">
+                      <a:solidFill>
+                        <a:schemeClr val="tx1"/>
+                      </a:solidFill>
+                      <a:prstDash val="solid"/>
+                      <a:round/>
+                      <a:headEnd type="none" w="med" len="med"/>
+                      <a:tailEnd type="none" w="med" len="med"/>
+                    </a:lnT>
+                  </a:tcPr>
+                </a:tc>
+                <a:tc>
+                  <a:txBody>
+                    <a:bodyPr/>
+                    <a:lstStyle/>
+                    <a:p>
+                      <a:pPr algn="ctr"/>
+                      <a:r>
+                        <a:rPr lang="en-US" dirty="0"/>
+                        <a:t>A3</a:t>
+                      </a:r>
+                    </a:p>
+                  </a:txBody>
+                  <a:tcPr>
+                    <a:lnT w="12700" cap="flat" cmpd="sng" algn="ctr">
+                      <a:solidFill>
+                        <a:schemeClr val="tx1"/>
+                      </a:solidFill>
+                      <a:prstDash val="solid"/>
+                      <a:round/>
+                      <a:headEnd type="none" w="med" len="med"/>
+                      <a:tailEnd type="none" w="med" len="med"/>
+                    </a:lnT>
+                  </a:tcPr>
+                </a:tc>
+                <a:extLst>
+                  <a:ext uri="{0D108BD9-81ED-4DB2-BD59-A6C34878D82A}">
+                    <a16:rowId xmlns:a16="http://schemas.microsoft.com/office/drawing/2014/main" val="10001"/>
+                  </a:ext>
+                </a:extLst>
+              </a:tr>
+              <a:tr h="370840">
+                <a:tc>
+                  <a:txBody>
+                    <a:bodyPr/>
+                    <a:lstStyle/>
+                    <a:p>
+                      <a:pPr algn="r"/>
+                      <a:r>
+                        <a:rPr lang="en-US" dirty="0"/>
+                        <a:t>0x528004</a:t>
+                      </a:r>
+                    </a:p>
+                  </a:txBody>
+                  <a:tcPr>
+                    <a:lnL w="12700" cap="flat" cmpd="sng" algn="ctr">
+                      <a:noFill/>
+                      <a:prstDash val="solid"/>
+                      <a:round/>
+                      <a:headEnd type="none" w="med" len="med"/>
+                      <a:tailEnd type="none" w="med" len="med"/>
+                    </a:lnL>
+                    <a:lnR w="12700" cap="flat" cmpd="sng" algn="ctr">
+                      <a:solidFill>
+                        <a:schemeClr val="tx1"/>
+                      </a:solidFill>
+                      <a:prstDash val="solid"/>
+                      <a:round/>
+                      <a:headEnd type="none" w="med" len="med"/>
+                      <a:tailEnd type="none" w="med" len="med"/>
+                    </a:lnR>
+                    <a:lnT w="12700" cap="flat" cmpd="sng" algn="ctr">
+                      <a:noFill/>
+                      <a:prstDash val="solid"/>
+                      <a:round/>
+                      <a:headEnd type="none" w="med" len="med"/>
+                      <a:tailEnd type="none" w="med" len="med"/>
+                    </a:lnT>
+                    <a:lnB w="12700" cap="flat" cmpd="sng" algn="ctr">
+                      <a:noFill/>
+                      <a:prstDash val="solid"/>
+                      <a:round/>
+                      <a:headEnd type="none" w="med" len="med"/>
+                      <a:tailEnd type="none" w="med" len="med"/>
+                    </a:lnB>
+                    <a:lnTlToBr w="12700" cmpd="sng">
+                      <a:noFill/>
+                      <a:prstDash val="solid"/>
+                    </a:lnTlToBr>
+                    <a:lnBlToTr w="12700" cmpd="sng">
+                      <a:noFill/>
+                      <a:prstDash val="solid"/>
+                    </a:lnBlToTr>
+                  </a:tcPr>
+                </a:tc>
+                <a:tc>
+                  <a:txBody>
+                    <a:bodyPr/>
+                    <a:lstStyle/>
+                    <a:p>
+                      <a:pPr algn="ctr"/>
+                      <a:r>
+                        <a:rPr lang="en-US" dirty="0"/>
+                        <a:t>B2</a:t>
+                      </a:r>
+                    </a:p>
+                  </a:txBody>
+                  <a:tcPr>
+                    <a:lnL w="12700" cap="flat" cmpd="sng" algn="ctr">
+                      <a:solidFill>
+                        <a:schemeClr val="tx1"/>
+                      </a:solidFill>
+                      <a:prstDash val="solid"/>
+                      <a:round/>
+                      <a:headEnd type="none" w="med" len="med"/>
+                      <a:tailEnd type="none" w="med" len="med"/>
+                    </a:lnL>
+                  </a:tcPr>
+                </a:tc>
+                <a:tc>
+                  <a:txBody>
+                    <a:bodyPr/>
+                    <a:lstStyle/>
+                    <a:p>
+                      <a:pPr algn="ctr"/>
+                      <a:r>
+                        <a:rPr lang="en-US" dirty="0"/>
+                        <a:t>FF</a:t>
+                      </a:r>
+                    </a:p>
+                  </a:txBody>
+                  <a:tcPr/>
+                </a:tc>
+                <a:tc>
+                  <a:txBody>
+                    <a:bodyPr/>
+                    <a:lstStyle/>
+                    <a:p>
+                      <a:pPr algn="ctr"/>
+                      <a:r>
+                        <a:rPr lang="en-US" dirty="0"/>
+                        <a:t>0F</a:t>
+                      </a:r>
+                    </a:p>
+                  </a:txBody>
+                  <a:tcPr/>
+                </a:tc>
+                <a:tc>
+                  <a:txBody>
+                    <a:bodyPr/>
+                    <a:lstStyle/>
+                    <a:p>
+                      <a:pPr algn="ctr"/>
+                      <a:r>
+                        <a:rPr lang="en-US" dirty="0"/>
+                        <a:t>7D</a:t>
+                      </a:r>
+                    </a:p>
+                  </a:txBody>
+                  <a:tcPr/>
+                </a:tc>
+                <a:extLst>
+                  <a:ext uri="{0D108BD9-81ED-4DB2-BD59-A6C34878D82A}">
+                    <a16:rowId xmlns:a16="http://schemas.microsoft.com/office/drawing/2014/main" val="10002"/>
+                  </a:ext>
+                </a:extLst>
+              </a:tr>
+              <a:tr h="370840">
+                <a:tc>
+                  <a:txBody>
+                    <a:bodyPr/>
+                    <a:lstStyle/>
+                    <a:p>
+                      <a:pPr algn="r"/>
+                      <a:r>
+                        <a:rPr lang="en-US" dirty="0"/>
+                        <a:t>0x528008</a:t>
+                      </a:r>
+                    </a:p>
+                  </a:txBody>
+                  <a:tcPr>
+                    <a:lnL w="12700" cap="flat" cmpd="sng" algn="ctr">
+                      <a:noFill/>
+                      <a:prstDash val="solid"/>
+                      <a:round/>
+                      <a:headEnd type="none" w="med" len="med"/>
+                      <a:tailEnd type="none" w="med" len="med"/>
+                    </a:lnL>
+                    <a:lnR w="12700" cap="flat" cmpd="sng" algn="ctr">
+                      <a:solidFill>
+                        <a:schemeClr val="tx1"/>
+                      </a:solidFill>
+                      <a:prstDash val="solid"/>
+                      <a:round/>
+                      <a:headEnd type="none" w="med" len="med"/>
+                      <a:tailEnd type="none" w="med" len="med"/>
+                    </a:lnR>
+                    <a:lnT w="12700" cap="flat" cmpd="sng" algn="ctr">
+                      <a:noFill/>
+                      <a:prstDash val="solid"/>
+                      <a:round/>
+                      <a:headEnd type="none" w="med" len="med"/>
+                      <a:tailEnd type="none" w="med" len="med"/>
+                    </a:lnT>
+                    <a:lnB w="12700" cap="flat" cmpd="sng" algn="ctr">
+                      <a:noFill/>
+                      <a:prstDash val="solid"/>
+                      <a:round/>
+                      <a:headEnd type="none" w="med" len="med"/>
+                      <a:tailEnd type="none" w="med" len="med"/>
+                    </a:lnB>
+                    <a:lnTlToBr w="12700" cmpd="sng">
+                      <a:noFill/>
+                      <a:prstDash val="solid"/>
+                    </a:lnTlToBr>
+                    <a:lnBlToTr w="12700" cmpd="sng">
+                      <a:noFill/>
+                      <a:prstDash val="solid"/>
+                    </a:lnBlToTr>
+                  </a:tcPr>
+                </a:tc>
+                <a:tc>
+                  <a:txBody>
+                    <a:bodyPr/>
+                    <a:lstStyle/>
+                    <a:p>
+                      <a:pPr algn="ctr"/>
+                      <a:r>
+                        <a:rPr lang="en-US" dirty="0"/>
+                        <a:t>07</a:t>
+                      </a:r>
+                    </a:p>
+                  </a:txBody>
+                  <a:tcPr>
+                    <a:lnL w="12700" cap="flat" cmpd="sng" algn="ctr">
+                      <a:solidFill>
+                        <a:schemeClr val="tx1"/>
+                      </a:solidFill>
+                      <a:prstDash val="solid"/>
+                      <a:round/>
+                      <a:headEnd type="none" w="med" len="med"/>
+                      <a:tailEnd type="none" w="med" len="med"/>
+                    </a:lnL>
+                  </a:tcPr>
+                </a:tc>
+                <a:tc>
+                  <a:txBody>
+                    <a:bodyPr/>
+                    <a:lstStyle/>
+                    <a:p>
+                      <a:pPr algn="ctr"/>
+                      <a:r>
+                        <a:rPr lang="en-US" dirty="0"/>
+                        <a:t>D0</a:t>
+                      </a:r>
+                    </a:p>
+                  </a:txBody>
+                  <a:tcPr/>
+                </a:tc>
+                <a:tc>
+                  <a:txBody>
+                    <a:bodyPr/>
+                    <a:lstStyle/>
+                    <a:p>
+                      <a:pPr algn="ctr"/>
+                      <a:r>
+                        <a:rPr lang="en-US" dirty="0"/>
+                        <a:t>BE</a:t>
+                      </a:r>
+                    </a:p>
+                  </a:txBody>
+                  <a:tcPr/>
+                </a:tc>
+                <a:tc>
+                  <a:txBody>
+                    <a:bodyPr/>
+                    <a:lstStyle/>
+                    <a:p>
+                      <a:pPr algn="ctr"/>
+                      <a:r>
+                        <a:rPr lang="en-US" dirty="0"/>
+                        <a:t>22</a:t>
+                      </a:r>
+                    </a:p>
+                  </a:txBody>
+                  <a:tcPr/>
+                </a:tc>
+                <a:extLst>
+                  <a:ext uri="{0D108BD9-81ED-4DB2-BD59-A6C34878D82A}">
+                    <a16:rowId xmlns:a16="http://schemas.microsoft.com/office/drawing/2014/main" val="10003"/>
+                  </a:ext>
+                </a:extLst>
+              </a:tr>
+              <a:tr h="370840">
+                <a:tc>
+                  <a:txBody>
+                    <a:bodyPr/>
+                    <a:lstStyle/>
+                    <a:p>
+                      <a:pPr algn="r"/>
+                      <a:r>
+                        <a:rPr lang="en-US" dirty="0"/>
+                        <a:t>0x52800C</a:t>
+                      </a:r>
+                    </a:p>
+                  </a:txBody>
+                  <a:tcPr>
+                    <a:lnL w="12700" cap="flat" cmpd="sng" algn="ctr">
+                      <a:noFill/>
+                      <a:prstDash val="solid"/>
+                      <a:round/>
+                      <a:headEnd type="none" w="med" len="med"/>
+                      <a:tailEnd type="none" w="med" len="med"/>
+                    </a:lnL>
+                    <a:lnR w="12700" cap="flat" cmpd="sng" algn="ctr">
+                      <a:solidFill>
+                        <a:schemeClr val="tx1"/>
+                      </a:solidFill>
+                      <a:prstDash val="solid"/>
+                      <a:round/>
+                      <a:headEnd type="none" w="med" len="med"/>
+                      <a:tailEnd type="none" w="med" len="med"/>
+                    </a:lnR>
+                    <a:lnT w="12700" cap="flat" cmpd="sng" algn="ctr">
+                      <a:noFill/>
+                      <a:prstDash val="solid"/>
+                      <a:round/>
+                      <a:headEnd type="none" w="med" len="med"/>
+                      <a:tailEnd type="none" w="med" len="med"/>
+                    </a:lnT>
+                    <a:lnB w="12700" cap="flat" cmpd="sng" algn="ctr">
+                      <a:noFill/>
+                      <a:prstDash val="solid"/>
+                      <a:round/>
+                      <a:headEnd type="none" w="med" len="med"/>
+                      <a:tailEnd type="none" w="med" len="med"/>
+                    </a:lnB>
+                    <a:lnTlToBr w="12700" cmpd="sng">
+                      <a:noFill/>
+                      <a:prstDash val="solid"/>
+                    </a:lnTlToBr>
+                    <a:lnBlToTr w="12700" cmpd="sng">
+                      <a:noFill/>
+                      <a:prstDash val="solid"/>
+                    </a:lnBlToTr>
+                  </a:tcPr>
+                </a:tc>
+                <a:tc>
+                  <a:txBody>
+                    <a:bodyPr/>
+                    <a:lstStyle/>
+                    <a:p>
+                      <a:pPr algn="ctr"/>
+                      <a:r>
+                        <a:rPr lang="en-US" dirty="0"/>
+                        <a:t>11</a:t>
+                      </a:r>
+                    </a:p>
+                  </a:txBody>
+                  <a:tcPr>
+                    <a:lnL w="12700" cap="flat" cmpd="sng" algn="ctr">
+                      <a:solidFill>
+                        <a:schemeClr val="tx1"/>
+                      </a:solidFill>
+                      <a:prstDash val="solid"/>
+                      <a:round/>
+                      <a:headEnd type="none" w="med" len="med"/>
+                      <a:tailEnd type="none" w="med" len="med"/>
+                    </a:lnL>
+                  </a:tcPr>
+                </a:tc>
+                <a:tc>
+                  <a:txBody>
+                    <a:bodyPr/>
+                    <a:lstStyle/>
+                    <a:p>
+                      <a:pPr algn="ctr"/>
+                      <a:r>
+                        <a:rPr lang="en-US" dirty="0"/>
+                        <a:t>96</a:t>
+                      </a:r>
+                    </a:p>
+                  </a:txBody>
+                  <a:tcPr/>
+                </a:tc>
+                <a:tc>
+                  <a:txBody>
+                    <a:bodyPr/>
+                    <a:lstStyle/>
+                    <a:p>
+                      <a:pPr algn="ctr"/>
+                      <a:r>
+                        <a:rPr lang="en-US" dirty="0"/>
+                        <a:t>00</a:t>
+                      </a:r>
+                    </a:p>
+                  </a:txBody>
+                  <a:tcPr/>
+                </a:tc>
+                <a:tc>
+                  <a:txBody>
+                    <a:bodyPr/>
+                    <a:lstStyle/>
+                    <a:p>
+                      <a:pPr algn="ctr"/>
+                      <a:r>
+                        <a:rPr lang="en-US" dirty="0"/>
+                        <a:t>14</a:t>
+                      </a:r>
+                    </a:p>
+                  </a:txBody>
+                  <a:tcPr/>
+                </a:tc>
+                <a:extLst>
+                  <a:ext uri="{0D108BD9-81ED-4DB2-BD59-A6C34878D82A}">
+                    <a16:rowId xmlns:a16="http://schemas.microsoft.com/office/drawing/2014/main" val="10004"/>
+                  </a:ext>
+                </a:extLst>
+              </a:tr>
+            </a:tbl>
+          </a:graphicData>
+        </a:graphic>
+      </p:graphicFrame>
       <p:sp>
         <p:nvSpPr>
           <p:cNvPr id="10" name="Content Placeholder 9"/>
@@ -11824,13 +12661,18 @@
             <a:spLocks noGrp="1"/>
           </p:cNvSpPr>
           <p:nvPr>
-            <p:ph idx="1"/>
-          </p:nvPr>
-        </p:nvSpPr>
-        <p:spPr/>
+            <p:ph sz="half" idx="2"/>
+          </p:nvPr>
+        </p:nvSpPr>
+        <p:spPr>
+          <a:xfrm>
+            <a:off x="4191000" y="1143000"/>
+            <a:ext cx="4495800" cy="4987925"/>
+          </a:xfrm>
+        </p:spPr>
         <p:txBody>
           <a:bodyPr>
-            <a:normAutofit fontScale="92500" lnSpcReduction="10000"/>
+            <a:normAutofit/>
           </a:bodyPr>
           <a:lstStyle/>
           <a:p>
@@ -11852,15 +12694,9 @@
               <a:buNone/>
               <a:defRPr/>
             </a:pPr>
-            <a:r>
-              <a:rPr lang="en-US" dirty="0">
-                <a:solidFill>
-                  <a:srgbClr val="FF0000"/>
-                </a:solidFill>
-                <a:ea typeface="+mn-ea"/>
-              </a:rPr>
-              <a:t>	EAX = 0x528000</a:t>
-            </a:r>
+            <a:endParaRPr lang="en-US" dirty="0">
+              <a:ea typeface="+mn-ea"/>
+            </a:endParaRPr>
           </a:p>
           <a:p>
             <a:pPr marL="0" indent="0">
@@ -11881,21 +12717,6 @@
               <a:buNone/>
               <a:defRPr/>
             </a:pPr>
-            <a:r>
-              <a:rPr lang="en-US" dirty="0">
-                <a:ea typeface="+mn-ea"/>
-              </a:rPr>
-              <a:t>	</a:t>
-            </a:r>
-            <a:r>
-              <a:rPr lang="en-US" dirty="0">
-                <a:solidFill>
-                  <a:srgbClr val="FF0000"/>
-                </a:solidFill>
-                <a:ea typeface="+mn-ea"/>
-              </a:rPr>
-              <a:t>EBX = DWORD at 0x528002 = 0xFFB2A331</a:t>
-            </a:r>
             <a:endParaRPr lang="en-US" dirty="0">
               <a:ea typeface="+mn-ea"/>
             </a:endParaRPr>
@@ -11919,41 +12740,6 @@
               <a:buNone/>
               <a:defRPr/>
             </a:pPr>
-            <a:r>
-              <a:rPr lang="en-US" dirty="0">
-                <a:ea typeface="+mn-ea"/>
-              </a:rPr>
-              <a:t>	</a:t>
-            </a:r>
-            <a:r>
-              <a:rPr lang="en-US" dirty="0">
-                <a:solidFill>
-                  <a:srgbClr val="FF0000"/>
-                </a:solidFill>
-                <a:ea typeface="+mn-ea"/>
-              </a:rPr>
-              <a:t>Swap BL and BH </a:t>
-            </a:r>
-            <a:r>
-              <a:rPr lang="en-US" dirty="0">
-                <a:solidFill>
-                  <a:srgbClr val="FF0000"/>
-                </a:solidFill>
-                <a:ea typeface="+mn-ea"/>
-                <a:sym typeface="Wingdings" pitchFamily="2" charset="2"/>
-              </a:rPr>
-              <a:t> EBX = 0xFFB2</a:t>
-            </a:r>
-            <a:r>
-              <a:rPr lang="en-US" u="sng" dirty="0">
-                <a:solidFill>
-                  <a:srgbClr val="FF0000"/>
-                </a:solidFill>
-                <a:ea typeface="+mn-ea"/>
-                <a:sym typeface="Wingdings" pitchFamily="2" charset="2"/>
-              </a:rPr>
-              <a:t>31A3</a:t>
-            </a:r>
             <a:endParaRPr lang="en-US" dirty="0">
               <a:ea typeface="+mn-ea"/>
             </a:endParaRPr>
@@ -11977,22 +12763,7 @@
               <a:buNone/>
               <a:defRPr/>
             </a:pPr>
-            <a:r>
-              <a:rPr lang="en-US" dirty="0">
-                <a:ea typeface="+mn-ea"/>
-              </a:rPr>
-              <a:t>	</a:t>
-            </a:r>
-            <a:r>
-              <a:rPr lang="en-US" dirty="0">
-                <a:solidFill>
-                  <a:srgbClr val="FF0000"/>
-                </a:solidFill>
-                <a:ea typeface="+mn-ea"/>
-              </a:rPr>
-              <a:t>EDX = EAX+8 = 0x528008</a:t>
-            </a:r>
-            <a:endParaRPr lang="en-US" dirty="0">
+            <a:endParaRPr lang="en-US">
               <a:ea typeface="+mn-ea"/>
             </a:endParaRPr>
           </a:p>
@@ -12003,36 +12774,17 @@
               <a:defRPr/>
             </a:pPr>
             <a:r>
+              <a:rPr lang="en-US">
+                <a:ea typeface="+mn-ea"/>
+              </a:rPr>
+              <a:t>MOV</a:t>
+            </a:r>
+            <a:r>
               <a:rPr lang="en-US" dirty="0">
                 <a:ea typeface="+mn-ea"/>
               </a:rPr>
-              <a:t>MOV	   ECX, [EDX-3]</a:t>
-            </a:r>
-          </a:p>
-          <a:p>
-            <a:pPr marL="0" indent="0">
-              <a:buFont typeface="Wingdings" pitchFamily="2" charset="2"/>
-              <a:buNone/>
-              <a:defRPr/>
-            </a:pPr>
-            <a:r>
-              <a:rPr lang="en-US" dirty="0">
-                <a:ea typeface="+mn-ea"/>
-              </a:rPr>
-              <a:t>	</a:t>
-            </a:r>
-            <a:r>
-              <a:rPr lang="en-US" dirty="0">
-                <a:solidFill>
-                  <a:srgbClr val="FF0000"/>
-                </a:solidFill>
-                <a:ea typeface="+mn-ea"/>
-              </a:rPr>
-              <a:t>ECX = DWORD at 0x528005 = 0x077D0FFF</a:t>
-            </a:r>
-            <a:endParaRPr lang="en-US" dirty="0">
-              <a:ea typeface="+mn-ea"/>
-            </a:endParaRPr>
+              <a:t>	   ECX, [EDX-3]</a:t>
+            </a:r>
           </a:p>
         </p:txBody>
       </p:sp>
@@ -12167,11 +12919,11 @@
           </a:lstStyle>
           <a:p>
             <a:pPr eaLnBrk="1" hangingPunct="1"/>
-            <a:fld id="{8272E5FB-EB4B-409F-A3B5-4766ABD0AA84}" type="datetime1">
+            <a:fld id="{727B2EAD-8CF7-43D5-96C5-2FA8BF55512A}" type="datetime1">
               <a:rPr lang="en-US" smtClean="0">
                 <a:latin typeface="Garamond" charset="0"/>
               </a:rPr>
-              <a:t>9/13/2019</a:t>
+              <a:t>9/18/2019</a:t>
             </a:fld>
             <a:endParaRPr lang="en-US">
               <a:latin typeface="Garamond" charset="0"/>
@@ -12335,7 +13087,7 @@
           </a:lstStyle>
           <a:p>
             <a:pPr eaLnBrk="1" hangingPunct="1"/>
-            <a:fld id="{D6DCD259-CB6C-4145-884D-946C3627EC10}" type="slidenum">
+            <a:fld id="{CCBD5F35-D87C-674D-975D-7C8B21E0BDFD}" type="slidenum">
               <a:rPr lang="en-US">
                 <a:latin typeface="Garamond" charset="0"/>
               </a:rPr>
@@ -12351,7 +13103,7 @@
     </p:spTree>
     <p:extLst>
       <p:ext uri="{BB962C8B-B14F-4D97-AF65-F5344CB8AC3E}">
-        <p14:creationId xmlns:p14="http://schemas.microsoft.com/office/powerpoint/2010/main" val="424669809"/>
+        <p14:creationId xmlns:p14="http://schemas.microsoft.com/office/powerpoint/2010/main" val="2059106950"/>
       </p:ext>
     </p:extLst>
   </p:cSld>
@@ -12380,7 +13132,7 @@
       </p:grpSpPr>
       <p:sp>
         <p:nvSpPr>
-          <p:cNvPr id="19458" name="Title 1"/>
+          <p:cNvPr id="12290" name="Title 1"/>
           <p:cNvSpPr>
             <a:spLocks noGrp="1"/>
           </p:cNvSpPr>
@@ -12397,14 +13149,14 @@
               <a:rPr lang="en-US">
                 <a:latin typeface="Garamond" charset="0"/>
               </a:rPr>
-              <a:t>Final notes</a:t>
+              <a:t>Solution</a:t>
             </a:r>
           </a:p>
         </p:txBody>
       </p:sp>
       <p:sp>
         <p:nvSpPr>
-          <p:cNvPr id="19459" name="Content Placeholder 2"/>
+          <p:cNvPr id="10" name="Content Placeholder 9"/>
           <p:cNvSpPr>
             <a:spLocks noGrp="1"/>
           </p:cNvSpPr>
@@ -12414,88 +13166,209 @@
         </p:nvSpPr>
         <p:spPr/>
         <p:txBody>
-          <a:bodyPr/>
+          <a:bodyPr>
+            <a:normAutofit fontScale="92500" lnSpcReduction="10000"/>
+          </a:bodyPr>
           <a:lstStyle/>
           <a:p>
+            <a:pPr marL="0" indent="0">
+              <a:buFont typeface="Wingdings" pitchFamily="2" charset="2"/>
+              <a:buNone/>
+              <a:defRPr/>
+            </a:pPr>
             <a:r>
               <a:rPr lang="en-US" dirty="0">
-                <a:latin typeface="Arial" charset="0"/>
-              </a:rPr>
-              <a:t>Next topics:</a:t>
-            </a:r>
-          </a:p>
-          <a:p>
-            <a:pPr lvl="1"/>
+                <a:ea typeface="+mn-ea"/>
+              </a:rPr>
+              <a:t>MOV    EAX, 0x528000</a:t>
+            </a:r>
+          </a:p>
+          <a:p>
+            <a:pPr marL="0" indent="0">
+              <a:buFont typeface="Wingdings" pitchFamily="2" charset="2"/>
+              <a:buNone/>
+              <a:defRPr/>
+            </a:pPr>
             <a:r>
               <a:rPr lang="en-US" dirty="0">
-                <a:latin typeface="Arial" charset="0"/>
-              </a:rPr>
-              <a:t>Arithmetic instructions</a:t>
-            </a:r>
-          </a:p>
-          <a:p>
+                <a:solidFill>
+                  <a:srgbClr val="FF0000"/>
+                </a:solidFill>
+                <a:ea typeface="+mn-ea"/>
+              </a:rPr>
+              <a:t>	EAX = 0x528000</a:t>
+            </a:r>
+          </a:p>
+          <a:p>
+            <a:pPr marL="0" indent="0">
+              <a:buFont typeface="Wingdings" pitchFamily="2" charset="2"/>
+              <a:buNone/>
+              <a:defRPr/>
+            </a:pPr>
             <a:r>
               <a:rPr lang="en-US" dirty="0">
-                <a:latin typeface="Arial" charset="0"/>
-              </a:rPr>
-              <a:t>Reminders:</a:t>
-            </a:r>
-          </a:p>
-          <a:p>
-            <a:pPr lvl="1"/>
+                <a:ea typeface="+mn-ea"/>
+              </a:rPr>
+              <a:t>MOV    EBX, [EAX+2]</a:t>
+            </a:r>
+          </a:p>
+          <a:p>
+            <a:pPr marL="0" indent="0">
+              <a:buFont typeface="Wingdings" pitchFamily="2" charset="2"/>
+              <a:buNone/>
+              <a:defRPr/>
+            </a:pPr>
             <a:r>
               <a:rPr lang="en-US" dirty="0">
-                <a:latin typeface="Arial" charset="0"/>
-              </a:rPr>
-              <a:t>HW 1 due today (9/16)</a:t>
-            </a:r>
-          </a:p>
-          <a:p>
-            <a:pPr lvl="2"/>
+                <a:ea typeface="+mn-ea"/>
+              </a:rPr>
+              <a:t>	</a:t>
+            </a:r>
             <a:r>
               <a:rPr lang="en-US" dirty="0">
-                <a:latin typeface="Arial" charset="0"/>
-              </a:rPr>
-              <a:t>Submit work via Blackboard</a:t>
-            </a:r>
-          </a:p>
-          <a:p>
-            <a:pPr lvl="2"/>
+                <a:solidFill>
+                  <a:srgbClr val="FF0000"/>
+                </a:solidFill>
+                <a:ea typeface="+mn-ea"/>
+              </a:rPr>
+              <a:t>EBX = DWORD at 0x528002 = 0xFFB2A331</a:t>
+            </a:r>
+            <a:endParaRPr lang="en-US" dirty="0">
+              <a:ea typeface="+mn-ea"/>
+            </a:endParaRPr>
+          </a:p>
+          <a:p>
+            <a:pPr marL="0" indent="0">
+              <a:buFont typeface="Wingdings" pitchFamily="2" charset="2"/>
+              <a:buNone/>
+              <a:defRPr/>
+            </a:pPr>
             <a:r>
               <a:rPr lang="en-US" dirty="0">
-                <a:latin typeface="Arial" charset="0"/>
-              </a:rPr>
-              <a:t>Can handwrite solution but must scan all pages and combine into single document</a:t>
-            </a:r>
-          </a:p>
-          <a:p>
-            <a:pPr lvl="3"/>
+                <a:ea typeface="+mn-ea"/>
+              </a:rPr>
+              <a:t>XCHG  BL, BH</a:t>
+            </a:r>
+          </a:p>
+          <a:p>
+            <a:pPr marL="0" indent="0">
+              <a:buFont typeface="Wingdings" pitchFamily="2" charset="2"/>
+              <a:buNone/>
+              <a:defRPr/>
+            </a:pPr>
             <a:r>
               <a:rPr lang="en-US" dirty="0">
-                <a:latin typeface="Arial" charset="0"/>
-              </a:rPr>
-              <a:t>Word doc or PDF, </a:t>
+                <a:ea typeface="+mn-ea"/>
+              </a:rPr>
+              <a:t>	</a:t>
+            </a:r>
+            <a:r>
+              <a:rPr lang="en-US" dirty="0">
+                <a:solidFill>
+                  <a:srgbClr val="FF0000"/>
+                </a:solidFill>
+                <a:ea typeface="+mn-ea"/>
+              </a:rPr>
+              <a:t>Swap BL and BH </a:t>
+            </a:r>
+            <a:r>
+              <a:rPr lang="en-US" dirty="0">
+                <a:solidFill>
+                  <a:srgbClr val="FF0000"/>
+                </a:solidFill>
+                <a:ea typeface="+mn-ea"/>
+                <a:sym typeface="Wingdings" pitchFamily="2" charset="2"/>
+              </a:rPr>
+              <a:t> EBX = 0xFFB2</a:t>
             </a:r>
             <a:r>
               <a:rPr lang="en-US" u="sng" dirty="0">
-                <a:latin typeface="Arial" charset="0"/>
-              </a:rPr>
-              <a:t>no archive files</a:t>
-            </a:r>
-          </a:p>
-          <a:p>
-            <a:pPr lvl="1"/>
+                <a:solidFill>
+                  <a:srgbClr val="FF0000"/>
+                </a:solidFill>
+                <a:ea typeface="+mn-ea"/>
+                <a:sym typeface="Wingdings" pitchFamily="2" charset="2"/>
+              </a:rPr>
+              <a:t>31A3</a:t>
+            </a:r>
+            <a:endParaRPr lang="en-US" dirty="0">
+              <a:ea typeface="+mn-ea"/>
+            </a:endParaRPr>
+          </a:p>
+          <a:p>
+            <a:pPr marL="0" indent="0">
+              <a:buFont typeface="Wingdings" pitchFamily="2" charset="2"/>
+              <a:buNone/>
+              <a:defRPr/>
+            </a:pPr>
             <a:r>
               <a:rPr lang="en-US" dirty="0">
-                <a:latin typeface="Arial" charset="0"/>
-              </a:rPr>
-              <a:t>HW 2 to be posted; due Monday, 9/23</a:t>
-            </a:r>
-          </a:p>
-          <a:p>
-            <a:pPr lvl="1"/>
+                <a:ea typeface="+mn-ea"/>
+              </a:rPr>
+              <a:t>LEA	   EDX, [EAX+8]</a:t>
+            </a:r>
+          </a:p>
+          <a:p>
+            <a:pPr marL="0" indent="0">
+              <a:buFont typeface="Wingdings" pitchFamily="2" charset="2"/>
+              <a:buNone/>
+              <a:defRPr/>
+            </a:pPr>
+            <a:r>
+              <a:rPr lang="en-US" dirty="0">
+                <a:ea typeface="+mn-ea"/>
+              </a:rPr>
+              <a:t>	</a:t>
+            </a:r>
+            <a:r>
+              <a:rPr lang="en-US" dirty="0">
+                <a:solidFill>
+                  <a:srgbClr val="FF0000"/>
+                </a:solidFill>
+                <a:ea typeface="+mn-ea"/>
+              </a:rPr>
+              <a:t>EDX = EAX+8 = 0x528008</a:t>
+            </a:r>
             <a:endParaRPr lang="en-US" dirty="0">
-              <a:latin typeface="Arial" charset="0"/>
+              <a:ea typeface="+mn-ea"/>
+            </a:endParaRPr>
+          </a:p>
+          <a:p>
+            <a:pPr marL="0" indent="0">
+              <a:buFont typeface="Wingdings" pitchFamily="2" charset="2"/>
+              <a:buNone/>
+              <a:defRPr/>
+            </a:pPr>
+            <a:r>
+              <a:rPr lang="en-US" dirty="0">
+                <a:ea typeface="+mn-ea"/>
+              </a:rPr>
+              <a:t>MOV	   ECX, [EDX-3]</a:t>
+            </a:r>
+          </a:p>
+          <a:p>
+            <a:pPr marL="0" indent="0">
+              <a:buFont typeface="Wingdings" pitchFamily="2" charset="2"/>
+              <a:buNone/>
+              <a:defRPr/>
+            </a:pPr>
+            <a:r>
+              <a:rPr lang="en-US" dirty="0">
+                <a:ea typeface="+mn-ea"/>
+              </a:rPr>
+              <a:t>	</a:t>
+            </a:r>
+            <a:r>
+              <a:rPr lang="en-US" dirty="0">
+                <a:solidFill>
+                  <a:srgbClr val="FF0000"/>
+                </a:solidFill>
+                <a:ea typeface="+mn-ea"/>
+              </a:rPr>
+              <a:t>ECX = DWORD at 0x528005 = 0x077D0FFF</a:t>
+            </a:r>
+            <a:endParaRPr lang="en-US" dirty="0">
+              <a:ea typeface="+mn-ea"/>
             </a:endParaRPr>
           </a:p>
         </p:txBody>
@@ -12631,11 +13504,11 @@
           </a:lstStyle>
           <a:p>
             <a:pPr eaLnBrk="1" hangingPunct="1"/>
-            <a:fld id="{208701C7-1C32-4490-89B4-65FB43471545}" type="datetime1">
+            <a:fld id="{8272E5FB-EB4B-409F-A3B5-4766ABD0AA84}" type="datetime1">
               <a:rPr lang="en-US" smtClean="0">
                 <a:latin typeface="Garamond" charset="0"/>
               </a:rPr>
-              <a:t>9/13/2019</a:t>
+              <a:t>9/18/2019</a:t>
             </a:fld>
             <a:endParaRPr lang="en-US">
               <a:latin typeface="Garamond" charset="0"/>
@@ -12799,12 +13672,476 @@
           </a:lstStyle>
           <a:p>
             <a:pPr eaLnBrk="1" hangingPunct="1"/>
+            <a:fld id="{D6DCD259-CB6C-4145-884D-946C3627EC10}" type="slidenum">
+              <a:rPr lang="en-US">
+                <a:latin typeface="Garamond" charset="0"/>
+              </a:rPr>
+              <a:pPr eaLnBrk="1" hangingPunct="1"/>
+              <a:t>18</a:t>
+            </a:fld>
+            <a:endParaRPr lang="en-US">
+              <a:latin typeface="Garamond" charset="0"/>
+            </a:endParaRPr>
+          </a:p>
+        </p:txBody>
+      </p:sp>
+    </p:spTree>
+    <p:extLst>
+      <p:ext uri="{BB962C8B-B14F-4D97-AF65-F5344CB8AC3E}">
+        <p14:creationId xmlns:p14="http://schemas.microsoft.com/office/powerpoint/2010/main" val="424669809"/>
+      </p:ext>
+    </p:extLst>
+  </p:cSld>
+  <p:clrMapOvr>
+    <a:masterClrMapping/>
+  </p:clrMapOvr>
+</p:sld>
+</file>
+
+<file path=ppt/slides/slide19.xml><?xml version="1.0" encoding="utf-8"?>
+<p:sld xmlns:a="http://schemas.openxmlformats.org/drawingml/2006/main" xmlns:r="http://schemas.openxmlformats.org/officeDocument/2006/relationships" xmlns:p="http://schemas.openxmlformats.org/presentationml/2006/main">
+  <p:cSld>
+    <p:spTree>
+      <p:nvGrpSpPr>
+        <p:cNvPr id="1" name=""/>
+        <p:cNvGrpSpPr/>
+        <p:nvPr/>
+      </p:nvGrpSpPr>
+      <p:grpSpPr>
+        <a:xfrm>
+          <a:off x="0" y="0"/>
+          <a:ext cx="0" cy="0"/>
+          <a:chOff x="0" y="0"/>
+          <a:chExt cx="0" cy="0"/>
+        </a:xfrm>
+      </p:grpSpPr>
+      <p:sp>
+        <p:nvSpPr>
+          <p:cNvPr id="19458" name="Title 1"/>
+          <p:cNvSpPr>
+            <a:spLocks noGrp="1"/>
+          </p:cNvSpPr>
+          <p:nvPr>
+            <p:ph type="title"/>
+          </p:nvPr>
+        </p:nvSpPr>
+        <p:spPr/>
+        <p:txBody>
+          <a:bodyPr/>
+          <a:lstStyle/>
+          <a:p>
+            <a:r>
+              <a:rPr lang="en-US">
+                <a:latin typeface="Garamond" charset="0"/>
+              </a:rPr>
+              <a:t>Final notes</a:t>
+            </a:r>
+          </a:p>
+        </p:txBody>
+      </p:sp>
+      <p:sp>
+        <p:nvSpPr>
+          <p:cNvPr id="19459" name="Content Placeholder 2"/>
+          <p:cNvSpPr>
+            <a:spLocks noGrp="1"/>
+          </p:cNvSpPr>
+          <p:nvPr>
+            <p:ph idx="1"/>
+          </p:nvPr>
+        </p:nvSpPr>
+        <p:spPr/>
+        <p:txBody>
+          <a:bodyPr/>
+          <a:lstStyle/>
+          <a:p>
+            <a:r>
+              <a:rPr lang="en-US" dirty="0">
+                <a:latin typeface="Arial" charset="0"/>
+              </a:rPr>
+              <a:t>Next topics:</a:t>
+            </a:r>
+          </a:p>
+          <a:p>
+            <a:pPr lvl="1"/>
+            <a:r>
+              <a:rPr lang="en-US" dirty="0">
+                <a:latin typeface="Arial" charset="0"/>
+              </a:rPr>
+              <a:t>Arithmetic instructions</a:t>
+            </a:r>
+          </a:p>
+          <a:p>
+            <a:r>
+              <a:rPr lang="en-US" dirty="0">
+                <a:latin typeface="Arial" charset="0"/>
+              </a:rPr>
+              <a:t>Reminders:</a:t>
+            </a:r>
+          </a:p>
+          <a:p>
+            <a:pPr lvl="1"/>
+            <a:r>
+              <a:rPr lang="en-US" dirty="0">
+                <a:latin typeface="Arial" charset="0"/>
+              </a:rPr>
+              <a:t>HW 1 due today (9/16)</a:t>
+            </a:r>
+          </a:p>
+          <a:p>
+            <a:pPr lvl="2"/>
+            <a:r>
+              <a:rPr lang="en-US" dirty="0">
+                <a:latin typeface="Arial" charset="0"/>
+              </a:rPr>
+              <a:t>Submit work via Blackboard</a:t>
+            </a:r>
+          </a:p>
+          <a:p>
+            <a:pPr lvl="2"/>
+            <a:r>
+              <a:rPr lang="en-US" dirty="0">
+                <a:latin typeface="Arial" charset="0"/>
+              </a:rPr>
+              <a:t>Can handwrite solution but must scan all pages and combine into single document</a:t>
+            </a:r>
+          </a:p>
+          <a:p>
+            <a:pPr lvl="3"/>
+            <a:r>
+              <a:rPr lang="en-US" dirty="0">
+                <a:latin typeface="Arial" charset="0"/>
+              </a:rPr>
+              <a:t>Word doc or PDF, </a:t>
+            </a:r>
+            <a:r>
+              <a:rPr lang="en-US" u="sng" dirty="0">
+                <a:latin typeface="Arial" charset="0"/>
+              </a:rPr>
+              <a:t>no archive files</a:t>
+            </a:r>
+          </a:p>
+          <a:p>
+            <a:pPr lvl="1"/>
+            <a:r>
+              <a:rPr lang="en-US" dirty="0">
+                <a:latin typeface="Arial" charset="0"/>
+              </a:rPr>
+              <a:t>HW 2 to be posted; due Monday, 9/23</a:t>
+            </a:r>
+          </a:p>
+          <a:p>
+            <a:pPr lvl="1"/>
+            <a:endParaRPr lang="en-US" dirty="0">
+              <a:latin typeface="Arial" charset="0"/>
+            </a:endParaRPr>
+          </a:p>
+        </p:txBody>
+      </p:sp>
+      <p:sp>
+        <p:nvSpPr>
+          <p:cNvPr id="4" name="Date Placeholder 3"/>
+          <p:cNvSpPr>
+            <a:spLocks noGrp="1"/>
+          </p:cNvSpPr>
+          <p:nvPr>
+            <p:ph type="dt" sz="quarter" idx="10"/>
+          </p:nvPr>
+        </p:nvSpPr>
+        <p:spPr/>
+        <p:txBody>
+          <a:bodyPr/>
+          <a:lstStyle>
+            <a:lvl1pPr eaLnBrk="0" hangingPunct="0">
+              <a:defRPr>
+                <a:solidFill>
+                  <a:schemeClr val="tx1"/>
+                </a:solidFill>
+                <a:latin typeface="Arial" charset="0"/>
+                <a:ea typeface="ＭＳ Ｐゴシック" charset="0"/>
+                <a:cs typeface="Arial" charset="0"/>
+              </a:defRPr>
+            </a:lvl1pPr>
+            <a:lvl2pPr marL="742950" indent="-285750" eaLnBrk="0" hangingPunct="0">
+              <a:defRPr>
+                <a:solidFill>
+                  <a:schemeClr val="tx1"/>
+                </a:solidFill>
+                <a:latin typeface="Arial" charset="0"/>
+                <a:ea typeface="Arial" charset="0"/>
+                <a:cs typeface="Arial" charset="0"/>
+              </a:defRPr>
+            </a:lvl2pPr>
+            <a:lvl3pPr marL="1143000" indent="-228600" eaLnBrk="0" hangingPunct="0">
+              <a:defRPr>
+                <a:solidFill>
+                  <a:schemeClr val="tx1"/>
+                </a:solidFill>
+                <a:latin typeface="Arial" charset="0"/>
+                <a:ea typeface="Arial" charset="0"/>
+                <a:cs typeface="Arial" charset="0"/>
+              </a:defRPr>
+            </a:lvl3pPr>
+            <a:lvl4pPr marL="1600200" indent="-228600" eaLnBrk="0" hangingPunct="0">
+              <a:defRPr>
+                <a:solidFill>
+                  <a:schemeClr val="tx1"/>
+                </a:solidFill>
+                <a:latin typeface="Arial" charset="0"/>
+                <a:ea typeface="Arial" charset="0"/>
+                <a:cs typeface="Arial" charset="0"/>
+              </a:defRPr>
+            </a:lvl4pPr>
+            <a:lvl5pPr marL="2057400" indent="-228600" eaLnBrk="0" hangingPunct="0">
+              <a:defRPr>
+                <a:solidFill>
+                  <a:schemeClr val="tx1"/>
+                </a:solidFill>
+                <a:latin typeface="Arial" charset="0"/>
+                <a:ea typeface="Arial" charset="0"/>
+                <a:cs typeface="Arial" charset="0"/>
+              </a:defRPr>
+            </a:lvl5pPr>
+            <a:lvl6pPr marL="2514600" indent="-228600" eaLnBrk="0" fontAlgn="base" hangingPunct="0">
+              <a:spcBef>
+                <a:spcPct val="0"/>
+              </a:spcBef>
+              <a:spcAft>
+                <a:spcPct val="0"/>
+              </a:spcAft>
+              <a:defRPr>
+                <a:solidFill>
+                  <a:schemeClr val="tx1"/>
+                </a:solidFill>
+                <a:latin typeface="Arial" charset="0"/>
+                <a:ea typeface="Arial" charset="0"/>
+                <a:cs typeface="Arial" charset="0"/>
+              </a:defRPr>
+            </a:lvl6pPr>
+            <a:lvl7pPr marL="2971800" indent="-228600" eaLnBrk="0" fontAlgn="base" hangingPunct="0">
+              <a:spcBef>
+                <a:spcPct val="0"/>
+              </a:spcBef>
+              <a:spcAft>
+                <a:spcPct val="0"/>
+              </a:spcAft>
+              <a:defRPr>
+                <a:solidFill>
+                  <a:schemeClr val="tx1"/>
+                </a:solidFill>
+                <a:latin typeface="Arial" charset="0"/>
+                <a:ea typeface="Arial" charset="0"/>
+                <a:cs typeface="Arial" charset="0"/>
+              </a:defRPr>
+            </a:lvl7pPr>
+            <a:lvl8pPr marL="3429000" indent="-228600" eaLnBrk="0" fontAlgn="base" hangingPunct="0">
+              <a:spcBef>
+                <a:spcPct val="0"/>
+              </a:spcBef>
+              <a:spcAft>
+                <a:spcPct val="0"/>
+              </a:spcAft>
+              <a:defRPr>
+                <a:solidFill>
+                  <a:schemeClr val="tx1"/>
+                </a:solidFill>
+                <a:latin typeface="Arial" charset="0"/>
+                <a:ea typeface="Arial" charset="0"/>
+                <a:cs typeface="Arial" charset="0"/>
+              </a:defRPr>
+            </a:lvl8pPr>
+            <a:lvl9pPr marL="3886200" indent="-228600" eaLnBrk="0" fontAlgn="base" hangingPunct="0">
+              <a:spcBef>
+                <a:spcPct val="0"/>
+              </a:spcBef>
+              <a:spcAft>
+                <a:spcPct val="0"/>
+              </a:spcAft>
+              <a:defRPr>
+                <a:solidFill>
+                  <a:schemeClr val="tx1"/>
+                </a:solidFill>
+                <a:latin typeface="Arial" charset="0"/>
+                <a:ea typeface="Arial" charset="0"/>
+                <a:cs typeface="Arial" charset="0"/>
+              </a:defRPr>
+            </a:lvl9pPr>
+          </a:lstStyle>
+          <a:p>
+            <a:pPr eaLnBrk="1" hangingPunct="1"/>
+            <a:fld id="{208701C7-1C32-4490-89B4-65FB43471545}" type="datetime1">
+              <a:rPr lang="en-US" smtClean="0">
+                <a:latin typeface="Garamond" charset="0"/>
+              </a:rPr>
+              <a:t>9/18/2019</a:t>
+            </a:fld>
+            <a:endParaRPr lang="en-US">
+              <a:latin typeface="Garamond" charset="0"/>
+            </a:endParaRPr>
+          </a:p>
+        </p:txBody>
+      </p:sp>
+      <p:sp>
+        <p:nvSpPr>
+          <p:cNvPr id="5" name="Footer Placeholder 4"/>
+          <p:cNvSpPr>
+            <a:spLocks noGrp="1"/>
+          </p:cNvSpPr>
+          <p:nvPr>
+            <p:ph type="ftr" sz="quarter" idx="11"/>
+          </p:nvPr>
+        </p:nvSpPr>
+        <p:spPr/>
+        <p:txBody>
+          <a:bodyPr/>
+          <a:lstStyle/>
+          <a:p>
+            <a:pPr>
+              <a:defRPr/>
+            </a:pPr>
+            <a:r>
+              <a:rPr lang="en-US" altLang="en-US"/>
+              <a:t>Microprocessors I:  Lecture 6</a:t>
+            </a:r>
+          </a:p>
+        </p:txBody>
+      </p:sp>
+      <p:sp>
+        <p:nvSpPr>
+          <p:cNvPr id="6" name="Slide Number Placeholder 5"/>
+          <p:cNvSpPr>
+            <a:spLocks noGrp="1"/>
+          </p:cNvSpPr>
+          <p:nvPr>
+            <p:ph type="sldNum" sz="quarter" idx="12"/>
+          </p:nvPr>
+        </p:nvSpPr>
+        <p:spPr/>
+        <p:txBody>
+          <a:bodyPr/>
+          <a:lstStyle>
+            <a:lvl1pPr eaLnBrk="0" hangingPunct="0">
+              <a:defRPr>
+                <a:solidFill>
+                  <a:schemeClr val="tx1"/>
+                </a:solidFill>
+                <a:latin typeface="Arial" charset="0"/>
+                <a:ea typeface="ＭＳ Ｐゴシック" charset="0"/>
+                <a:cs typeface="Arial" charset="0"/>
+              </a:defRPr>
+            </a:lvl1pPr>
+            <a:lvl2pPr marL="742950" indent="-285750" eaLnBrk="0" hangingPunct="0">
+              <a:defRPr>
+                <a:solidFill>
+                  <a:schemeClr val="tx1"/>
+                </a:solidFill>
+                <a:latin typeface="Arial" charset="0"/>
+                <a:ea typeface="Arial" charset="0"/>
+                <a:cs typeface="Arial" charset="0"/>
+              </a:defRPr>
+            </a:lvl2pPr>
+            <a:lvl3pPr marL="1143000" indent="-228600" eaLnBrk="0" hangingPunct="0">
+              <a:defRPr>
+                <a:solidFill>
+                  <a:schemeClr val="tx1"/>
+                </a:solidFill>
+                <a:latin typeface="Arial" charset="0"/>
+                <a:ea typeface="Arial" charset="0"/>
+                <a:cs typeface="Arial" charset="0"/>
+              </a:defRPr>
+            </a:lvl3pPr>
+            <a:lvl4pPr marL="1600200" indent="-228600" eaLnBrk="0" hangingPunct="0">
+              <a:defRPr>
+                <a:solidFill>
+                  <a:schemeClr val="tx1"/>
+                </a:solidFill>
+                <a:latin typeface="Arial" charset="0"/>
+                <a:ea typeface="Arial" charset="0"/>
+                <a:cs typeface="Arial" charset="0"/>
+              </a:defRPr>
+            </a:lvl4pPr>
+            <a:lvl5pPr marL="2057400" indent="-228600" eaLnBrk="0" hangingPunct="0">
+              <a:defRPr>
+                <a:solidFill>
+                  <a:schemeClr val="tx1"/>
+                </a:solidFill>
+                <a:latin typeface="Arial" charset="0"/>
+                <a:ea typeface="Arial" charset="0"/>
+                <a:cs typeface="Arial" charset="0"/>
+              </a:defRPr>
+            </a:lvl5pPr>
+            <a:lvl6pPr marL="2514600" indent="-228600" eaLnBrk="0" fontAlgn="base" hangingPunct="0">
+              <a:spcBef>
+                <a:spcPct val="0"/>
+              </a:spcBef>
+              <a:spcAft>
+                <a:spcPct val="0"/>
+              </a:spcAft>
+              <a:defRPr>
+                <a:solidFill>
+                  <a:schemeClr val="tx1"/>
+                </a:solidFill>
+                <a:latin typeface="Arial" charset="0"/>
+                <a:ea typeface="Arial" charset="0"/>
+                <a:cs typeface="Arial" charset="0"/>
+              </a:defRPr>
+            </a:lvl6pPr>
+            <a:lvl7pPr marL="2971800" indent="-228600" eaLnBrk="0" fontAlgn="base" hangingPunct="0">
+              <a:spcBef>
+                <a:spcPct val="0"/>
+              </a:spcBef>
+              <a:spcAft>
+                <a:spcPct val="0"/>
+              </a:spcAft>
+              <a:defRPr>
+                <a:solidFill>
+                  <a:schemeClr val="tx1"/>
+                </a:solidFill>
+                <a:latin typeface="Arial" charset="0"/>
+                <a:ea typeface="Arial" charset="0"/>
+                <a:cs typeface="Arial" charset="0"/>
+              </a:defRPr>
+            </a:lvl7pPr>
+            <a:lvl8pPr marL="3429000" indent="-228600" eaLnBrk="0" fontAlgn="base" hangingPunct="0">
+              <a:spcBef>
+                <a:spcPct val="0"/>
+              </a:spcBef>
+              <a:spcAft>
+                <a:spcPct val="0"/>
+              </a:spcAft>
+              <a:defRPr>
+                <a:solidFill>
+                  <a:schemeClr val="tx1"/>
+                </a:solidFill>
+                <a:latin typeface="Arial" charset="0"/>
+                <a:ea typeface="Arial" charset="0"/>
+                <a:cs typeface="Arial" charset="0"/>
+              </a:defRPr>
+            </a:lvl8pPr>
+            <a:lvl9pPr marL="3886200" indent="-228600" eaLnBrk="0" fontAlgn="base" hangingPunct="0">
+              <a:spcBef>
+                <a:spcPct val="0"/>
+              </a:spcBef>
+              <a:spcAft>
+                <a:spcPct val="0"/>
+              </a:spcAft>
+              <a:defRPr>
+                <a:solidFill>
+                  <a:schemeClr val="tx1"/>
+                </a:solidFill>
+                <a:latin typeface="Arial" charset="0"/>
+                <a:ea typeface="Arial" charset="0"/>
+                <a:cs typeface="Arial" charset="0"/>
+              </a:defRPr>
+            </a:lvl9pPr>
+          </a:lstStyle>
+          <a:p>
+            <a:pPr eaLnBrk="1" hangingPunct="1"/>
             <a:fld id="{7318A6F9-97BD-0640-AE56-DA2FF8060FFA}" type="slidenum">
               <a:rPr lang="en-US">
                 <a:latin typeface="Garamond" charset="0"/>
               </a:rPr>
               <a:pPr eaLnBrk="1" hangingPunct="1"/>
-              <a:t>18</a:t>
+              <a:t>19</a:t>
             </a:fld>
             <a:endParaRPr lang="en-US">
               <a:latin typeface="Garamond" charset="0"/>
@@ -13099,7 +14436,7 @@
               <a:rPr lang="en-US" smtClean="0">
                 <a:latin typeface="Garamond" charset="0"/>
               </a:rPr>
-              <a:t>9/13/2019</a:t>
+              <a:t>9/18/2019</a:t>
             </a:fld>
             <a:endParaRPr lang="en-US">
               <a:latin typeface="Garamond" charset="0"/>
@@ -13614,7 +14951,7 @@
               <a:rPr lang="en-US" smtClean="0">
                 <a:latin typeface="Garamond" charset="0"/>
               </a:rPr>
-              <a:t>9/13/2019</a:t>
+              <a:t>9/18/2019</a:t>
             </a:fld>
             <a:endParaRPr lang="en-US">
               <a:latin typeface="Garamond" charset="0"/>
@@ -13814,14 +15151,14 @@
           <a:effectLst/>
           <a:extLst>
             <a:ext uri="{909E8E84-426E-40dd-AFC4-6F175D3DCCD1}">
-              <a14:hiddenFill xmlns="" xmlns:a14="http://schemas.microsoft.com/office/drawing/2010/main">
+              <a14:hiddenFill xmlns:a14="http://schemas.microsoft.com/office/drawing/2010/main" xmlns="">
                 <a:solidFill>
                   <a:schemeClr val="accent1"/>
                 </a:solidFill>
               </a14:hiddenFill>
             </a:ext>
             <a:ext uri="{91240B29-F687-4f45-9708-019B960494DF}">
-              <a14:hiddenLine xmlns="" xmlns:a14="http://schemas.microsoft.com/office/drawing/2010/main" w="9525">
+              <a14:hiddenLine xmlns:a14="http://schemas.microsoft.com/office/drawing/2010/main" xmlns="" w="9525">
                 <a:solidFill>
                   <a:schemeClr val="tx1"/>
                 </a:solidFill>
@@ -13831,7 +15168,7 @@
               </a14:hiddenLine>
             </a:ext>
             <a:ext uri="{AF507438-7753-43e0-B8FC-AC1667EBCBE1}">
-              <a14:hiddenEffects xmlns="" xmlns:a14="http://schemas.microsoft.com/office/drawing/2010/main">
+              <a14:hiddenEffects xmlns:a14="http://schemas.microsoft.com/office/drawing/2010/main" xmlns="">
                 <a:effectLst>
                   <a:outerShdw blurRad="63500" dist="38099" dir="2700000" algn="ctr" rotWithShape="0">
                     <a:schemeClr val="bg2">
@@ -14246,7 +15583,7 @@
               <a:rPr lang="en-US" smtClean="0">
                 <a:latin typeface="Garamond" charset="0"/>
               </a:rPr>
-              <a:t>9/13/2019</a:t>
+              <a:t>9/18/2019</a:t>
             </a:fld>
             <a:endParaRPr lang="en-US">
               <a:latin typeface="Garamond" charset="0"/>
@@ -14796,7 +16133,7 @@
               <a:rPr lang="en-US" smtClean="0">
                 <a:latin typeface="Garamond" charset="0"/>
               </a:rPr>
-              <a:t>9/13/2019</a:t>
+              <a:t>9/18/2019</a:t>
             </a:fld>
             <a:endParaRPr lang="en-US">
               <a:latin typeface="Garamond" charset="0"/>
@@ -15340,7 +16677,7 @@
               <a:rPr lang="en-US" smtClean="0">
                 <a:latin typeface="Garamond" charset="0"/>
               </a:rPr>
-              <a:t>9/13/2019</a:t>
+              <a:t>9/18/2019</a:t>
             </a:fld>
             <a:endParaRPr lang="en-US">
               <a:latin typeface="Garamond" charset="0"/>
@@ -15810,7 +17147,7 @@
               <a:rPr lang="en-US" smtClean="0">
                 <a:latin typeface="Garamond" charset="0"/>
               </a:rPr>
-              <a:t>9/13/2019</a:t>
+              <a:t>9/18/2019</a:t>
             </a:fld>
             <a:endParaRPr lang="en-US">
               <a:latin typeface="Garamond" charset="0"/>
@@ -16285,7 +17622,7 @@
               <a:rPr lang="en-US" smtClean="0">
                 <a:latin typeface="Garamond" charset="0"/>
               </a:rPr>
-              <a:t>9/13/2019</a:t>
+              <a:t>9/18/2019</a:t>
             </a:fld>
             <a:endParaRPr lang="en-US">
               <a:latin typeface="Garamond" charset="0"/>
@@ -16690,7 +18027,7 @@
               <a:rPr lang="en-US" smtClean="0">
                 <a:latin typeface="Garamond" charset="0"/>
               </a:rPr>
-              <a:t>9/13/2019</a:t>
+              <a:t>9/18/2019</a:t>
             </a:fld>
             <a:endParaRPr lang="en-US">
               <a:latin typeface="Garamond" charset="0"/>
